--- a/AngularJS.pptx
+++ b/AngularJS.pptx
@@ -16,6 +16,9 @@
     <p:sldId id="265" r:id="rId10"/>
     <p:sldId id="267" r:id="rId11"/>
     <p:sldId id="266" r:id="rId12"/>
+    <p:sldId id="268" r:id="rId13"/>
+    <p:sldId id="269" r:id="rId14"/>
+    <p:sldId id="270" r:id="rId15"/>
   </p:sldIdLst>
   <p:sldSz cx="9144000" cy="6858000" type="screen4x3"/>
   <p:notesSz cx="6858000" cy="9144000"/>
@@ -298,7 +301,7 @@
           <a:p>
             <a:fld id="{530820CF-B880-4189-942D-D702A7CBA730}" type="datetimeFigureOut">
               <a:rPr lang="zh-CN" altLang="en-US" smtClean="0"/>
-              <a:t>2016-05-25</a:t>
+              <a:t>2016-05-26</a:t>
             </a:fld>
             <a:endParaRPr lang="zh-CN" altLang="en-US"/>
           </a:p>
@@ -463,7 +466,7 @@
           <a:p>
             <a:fld id="{530820CF-B880-4189-942D-D702A7CBA730}" type="datetimeFigureOut">
               <a:rPr lang="zh-CN" altLang="en-US" smtClean="0"/>
-              <a:t>2016-05-25</a:t>
+              <a:t>2016-05-26</a:t>
             </a:fld>
             <a:endParaRPr lang="zh-CN" altLang="en-US"/>
           </a:p>
@@ -638,7 +641,7 @@
           <a:p>
             <a:fld id="{530820CF-B880-4189-942D-D702A7CBA730}" type="datetimeFigureOut">
               <a:rPr lang="zh-CN" altLang="en-US" smtClean="0"/>
-              <a:t>2016-05-25</a:t>
+              <a:t>2016-05-26</a:t>
             </a:fld>
             <a:endParaRPr lang="zh-CN" altLang="en-US"/>
           </a:p>
@@ -803,7 +806,7 @@
           <a:p>
             <a:fld id="{530820CF-B880-4189-942D-D702A7CBA730}" type="datetimeFigureOut">
               <a:rPr lang="zh-CN" altLang="en-US" smtClean="0"/>
-              <a:t>2016-05-25</a:t>
+              <a:t>2016-05-26</a:t>
             </a:fld>
             <a:endParaRPr lang="zh-CN" altLang="en-US"/>
           </a:p>
@@ -1044,7 +1047,7 @@
           <a:p>
             <a:fld id="{530820CF-B880-4189-942D-D702A7CBA730}" type="datetimeFigureOut">
               <a:rPr lang="zh-CN" altLang="en-US" smtClean="0"/>
-              <a:t>2016-05-25</a:t>
+              <a:t>2016-05-26</a:t>
             </a:fld>
             <a:endParaRPr lang="zh-CN" altLang="en-US"/>
           </a:p>
@@ -1327,7 +1330,7 @@
           <a:p>
             <a:fld id="{530820CF-B880-4189-942D-D702A7CBA730}" type="datetimeFigureOut">
               <a:rPr lang="zh-CN" altLang="en-US" smtClean="0"/>
-              <a:t>2016-05-25</a:t>
+              <a:t>2016-05-26</a:t>
             </a:fld>
             <a:endParaRPr lang="zh-CN" altLang="en-US"/>
           </a:p>
@@ -1744,7 +1747,7 @@
           <a:p>
             <a:fld id="{530820CF-B880-4189-942D-D702A7CBA730}" type="datetimeFigureOut">
               <a:rPr lang="zh-CN" altLang="en-US" smtClean="0"/>
-              <a:t>2016-05-25</a:t>
+              <a:t>2016-05-26</a:t>
             </a:fld>
             <a:endParaRPr lang="zh-CN" altLang="en-US"/>
           </a:p>
@@ -1857,7 +1860,7 @@
           <a:p>
             <a:fld id="{530820CF-B880-4189-942D-D702A7CBA730}" type="datetimeFigureOut">
               <a:rPr lang="zh-CN" altLang="en-US" smtClean="0"/>
-              <a:t>2016-05-25</a:t>
+              <a:t>2016-05-26</a:t>
             </a:fld>
             <a:endParaRPr lang="zh-CN" altLang="en-US"/>
           </a:p>
@@ -1947,7 +1950,7 @@
           <a:p>
             <a:fld id="{530820CF-B880-4189-942D-D702A7CBA730}" type="datetimeFigureOut">
               <a:rPr lang="zh-CN" altLang="en-US" smtClean="0"/>
-              <a:t>2016-05-25</a:t>
+              <a:t>2016-05-26</a:t>
             </a:fld>
             <a:endParaRPr lang="zh-CN" altLang="en-US"/>
           </a:p>
@@ -2219,7 +2222,7 @@
           <a:p>
             <a:fld id="{530820CF-B880-4189-942D-D702A7CBA730}" type="datetimeFigureOut">
               <a:rPr lang="zh-CN" altLang="en-US" smtClean="0"/>
-              <a:t>2016-05-25</a:t>
+              <a:t>2016-05-26</a:t>
             </a:fld>
             <a:endParaRPr lang="zh-CN" altLang="en-US"/>
           </a:p>
@@ -2467,7 +2470,7 @@
           <a:p>
             <a:fld id="{530820CF-B880-4189-942D-D702A7CBA730}" type="datetimeFigureOut">
               <a:rPr lang="zh-CN" altLang="en-US" smtClean="0"/>
-              <a:t>2016-05-25</a:t>
+              <a:t>2016-05-26</a:t>
             </a:fld>
             <a:endParaRPr lang="zh-CN" altLang="en-US"/>
           </a:p>
@@ -2684,7 +2687,7 @@
           <a:p>
             <a:fld id="{530820CF-B880-4189-942D-D702A7CBA730}" type="datetimeFigureOut">
               <a:rPr lang="zh-CN" altLang="en-US" smtClean="0"/>
-              <a:t>2016-05-25</a:t>
+              <a:t>2016-05-26</a:t>
             </a:fld>
             <a:endParaRPr lang="zh-CN" altLang="en-US"/>
           </a:p>
@@ -4138,7 +4141,7 @@
         </p:spPr>
         <p:txBody>
           <a:bodyPr>
-            <a:normAutofit/>
+            <a:normAutofit lnSpcReduction="10000"/>
           </a:bodyPr>
           <a:lstStyle/>
           <a:p>
@@ -4183,8 +4186,26 @@
                   <a:schemeClr val="bg1"/>
                 </a:solidFill>
               </a:rPr>
-              <a:t>事件指令。</a:t>
-            </a:r>
+              <a:t>事件指令</a:t>
+            </a:r>
+            <a:r>
+              <a:rPr lang="zh-CN" altLang="en-US" dirty="0" smtClean="0">
+                <a:solidFill>
+                  <a:schemeClr val="bg1"/>
+                </a:solidFill>
+              </a:rPr>
+              <a:t>。</a:t>
+            </a:r>
+            <a:endParaRPr lang="en-US" altLang="zh-CN" dirty="0" smtClean="0">
+              <a:solidFill>
+                <a:schemeClr val="bg1"/>
+              </a:solidFill>
+            </a:endParaRPr>
+          </a:p>
+          <a:p>
+            <a:pPr marL="0" indent="0">
+              <a:buNone/>
+            </a:pPr>
             <a:endParaRPr lang="en-US" altLang="zh-CN" b="1" dirty="0" smtClean="0">
               <a:solidFill>
                 <a:schemeClr val="bg1"/>
@@ -4251,14 +4272,6 @@
               </a:rPr>
               <a:t>点击事件。</a:t>
             </a:r>
-            <a:r>
-              <a:rPr lang="zh-CN" altLang="en-US" dirty="0">
-                <a:solidFill>
-                  <a:schemeClr val="bg1"/>
-                </a:solidFill>
-              </a:rPr>
-              <a:t/>
-            </a:r>
             <a:br>
               <a:rPr lang="zh-CN" altLang="en-US" dirty="0">
                 <a:solidFill>
@@ -4420,8 +4433,26 @@
                   <a:schemeClr val="bg1"/>
                 </a:solidFill>
               </a:rPr>
-              <a:t>事件的行为</a:t>
-            </a:r>
+              <a:t>事件的行</a:t>
+            </a:r>
+            <a:r>
+              <a:rPr lang="zh-CN" altLang="en-US" dirty="0" smtClean="0">
+                <a:solidFill>
+                  <a:schemeClr val="bg1"/>
+                </a:solidFill>
+              </a:rPr>
+              <a:t>为</a:t>
+            </a:r>
+            <a:endParaRPr lang="en-US" altLang="zh-CN" dirty="0" smtClean="0">
+              <a:solidFill>
+                <a:schemeClr val="bg1"/>
+              </a:solidFill>
+            </a:endParaRPr>
+          </a:p>
+          <a:p>
+            <a:pPr marL="0" indent="0">
+              <a:buNone/>
+            </a:pPr>
             <a:endParaRPr lang="zh-CN" altLang="en-US" dirty="0">
               <a:solidFill>
                 <a:schemeClr val="bg1"/>
@@ -4441,12 +4472,12 @@
               <a:t>Jq</a:t>
             </a:r>
             <a:r>
-              <a:rPr lang="zh-CN" altLang="en-US" smtClean="0">
-                <a:solidFill>
-                  <a:schemeClr val="bg1"/>
-                </a:solidFill>
-              </a:rPr>
-              <a:t>库拥有的时间，这里一般都存在。</a:t>
+              <a:rPr lang="zh-CN" altLang="en-US" dirty="0" smtClean="0">
+                <a:solidFill>
+                  <a:schemeClr val="bg1"/>
+                </a:solidFill>
+              </a:rPr>
+              <a:t>库拥有的事件，这里一般都存在。</a:t>
             </a:r>
             <a:endParaRPr lang="zh-CN" altLang="en-US" dirty="0">
               <a:solidFill>
@@ -4460,6 +4491,1745 @@
     <p:extLst>
       <p:ext uri="{BB962C8B-B14F-4D97-AF65-F5344CB8AC3E}">
         <p14:creationId xmlns:p14="http://schemas.microsoft.com/office/powerpoint/2010/main" val="3677552985"/>
+      </p:ext>
+    </p:extLst>
+  </p:cSld>
+  <p:clrMapOvr>
+    <a:masterClrMapping/>
+  </p:clrMapOvr>
+</p:sld>
+</file>
+
+<file path=ppt/slides/slide12.xml><?xml version="1.0" encoding="utf-8"?>
+<p:sld xmlns:a="http://schemas.openxmlformats.org/drawingml/2006/main" xmlns:r="http://schemas.openxmlformats.org/officeDocument/2006/relationships" xmlns:p="http://schemas.openxmlformats.org/presentationml/2006/main">
+  <p:cSld>
+    <p:spTree>
+      <p:nvGrpSpPr>
+        <p:cNvPr id="1" name=""/>
+        <p:cNvGrpSpPr/>
+        <p:nvPr/>
+      </p:nvGrpSpPr>
+      <p:grpSpPr>
+        <a:xfrm>
+          <a:off x="0" y="0"/>
+          <a:ext cx="0" cy="0"/>
+          <a:chOff x="0" y="0"/>
+          <a:chExt cx="0" cy="0"/>
+        </a:xfrm>
+      </p:grpSpPr>
+      <p:sp>
+        <p:nvSpPr>
+          <p:cNvPr id="2" name="标题 1"/>
+          <p:cNvSpPr>
+            <a:spLocks noGrp="1"/>
+          </p:cNvSpPr>
+          <p:nvPr>
+            <p:ph type="title"/>
+          </p:nvPr>
+        </p:nvSpPr>
+        <p:spPr>
+          <a:xfrm>
+            <a:off x="457200" y="274638"/>
+            <a:ext cx="8229600" cy="706090"/>
+          </a:xfrm>
+        </p:spPr>
+        <p:txBody>
+          <a:bodyPr>
+            <a:normAutofit/>
+          </a:bodyPr>
+          <a:lstStyle/>
+          <a:p>
+            <a:pPr algn="l"/>
+            <a:r>
+              <a:rPr lang="zh-CN" altLang="en-US" sz="3200" dirty="0" smtClean="0">
+                <a:solidFill>
+                  <a:schemeClr val="bg1"/>
+                </a:solidFill>
+              </a:rPr>
+              <a:t>九、</a:t>
+            </a:r>
+            <a:r>
+              <a:rPr lang="zh-CN" altLang="en-US" sz="3200" dirty="0">
+                <a:solidFill>
+                  <a:schemeClr val="bg1"/>
+                </a:solidFill>
+              </a:rPr>
+              <a:t>表</a:t>
+            </a:r>
+            <a:r>
+              <a:rPr lang="zh-CN" altLang="en-US" sz="3200" dirty="0" smtClean="0">
+                <a:solidFill>
+                  <a:schemeClr val="bg1"/>
+                </a:solidFill>
+              </a:rPr>
+              <a:t>单验证</a:t>
+            </a:r>
+            <a:endParaRPr lang="zh-CN" altLang="en-US" sz="3200" dirty="0">
+              <a:solidFill>
+                <a:schemeClr val="bg1"/>
+              </a:solidFill>
+            </a:endParaRPr>
+          </a:p>
+        </p:txBody>
+      </p:sp>
+      <p:sp>
+        <p:nvSpPr>
+          <p:cNvPr id="3" name="内容占位符 2"/>
+          <p:cNvSpPr>
+            <a:spLocks noGrp="1"/>
+          </p:cNvSpPr>
+          <p:nvPr>
+            <p:ph idx="1"/>
+          </p:nvPr>
+        </p:nvSpPr>
+        <p:spPr>
+          <a:xfrm>
+            <a:off x="457200" y="1412776"/>
+            <a:ext cx="8229600" cy="4713387"/>
+          </a:xfrm>
+        </p:spPr>
+        <p:txBody>
+          <a:bodyPr>
+            <a:normAutofit/>
+          </a:bodyPr>
+          <a:lstStyle/>
+          <a:p>
+            <a:pPr marL="0" indent="0">
+              <a:buNone/>
+            </a:pPr>
+            <a:r>
+              <a:rPr lang="en-US" altLang="zh-CN" dirty="0" smtClean="0"/>
+              <a:t>	</a:t>
+            </a:r>
+            <a:r>
+              <a:rPr lang="en-US" altLang="zh-CN" dirty="0" err="1" smtClean="0">
+                <a:solidFill>
+                  <a:schemeClr val="bg1"/>
+                </a:solidFill>
+              </a:rPr>
+              <a:t>AngularJS</a:t>
+            </a:r>
+            <a:r>
+              <a:rPr lang="en-US" altLang="zh-CN" dirty="0" smtClean="0">
+                <a:solidFill>
+                  <a:schemeClr val="bg1"/>
+                </a:solidFill>
+              </a:rPr>
+              <a:t> </a:t>
+            </a:r>
+            <a:r>
+              <a:rPr lang="zh-CN" altLang="en-US" dirty="0">
+                <a:solidFill>
+                  <a:schemeClr val="bg1"/>
+                </a:solidFill>
+              </a:rPr>
+              <a:t>表单和控件可以验证输入的数据</a:t>
+            </a:r>
+            <a:r>
+              <a:rPr lang="zh-CN" altLang="en-US" dirty="0" smtClean="0">
+                <a:solidFill>
+                  <a:schemeClr val="bg1"/>
+                </a:solidFill>
+              </a:rPr>
+              <a:t>。</a:t>
+            </a:r>
+            <a:r>
+              <a:rPr lang="en-US" altLang="zh-CN" dirty="0" smtClean="0">
+                <a:solidFill>
+                  <a:schemeClr val="bg1"/>
+                </a:solidFill>
+              </a:rPr>
+              <a:t>	</a:t>
+            </a:r>
+            <a:r>
+              <a:rPr lang="en-US" altLang="zh-CN" dirty="0" err="1" smtClean="0">
+                <a:solidFill>
+                  <a:schemeClr val="bg1"/>
+                </a:solidFill>
+              </a:rPr>
+              <a:t>AngularJS</a:t>
+            </a:r>
+            <a:r>
+              <a:rPr lang="en-US" altLang="zh-CN" dirty="0" smtClean="0">
+                <a:solidFill>
+                  <a:schemeClr val="bg1"/>
+                </a:solidFill>
+              </a:rPr>
+              <a:t> </a:t>
+            </a:r>
+            <a:r>
+              <a:rPr lang="zh-CN" altLang="en-US" dirty="0">
+                <a:solidFill>
+                  <a:schemeClr val="bg1"/>
+                </a:solidFill>
+              </a:rPr>
+              <a:t>表单和控件可以提供验证功能，并对用户输入的非法数据进行警告</a:t>
+            </a:r>
+            <a:r>
+              <a:rPr lang="zh-CN" altLang="en-US" dirty="0" smtClean="0">
+                <a:solidFill>
+                  <a:schemeClr val="bg1"/>
+                </a:solidFill>
+              </a:rPr>
+              <a:t>。</a:t>
+            </a:r>
+            <a:endParaRPr lang="en-US" altLang="zh-CN" dirty="0" smtClean="0">
+              <a:solidFill>
+                <a:schemeClr val="bg1"/>
+              </a:solidFill>
+            </a:endParaRPr>
+          </a:p>
+          <a:p>
+            <a:pPr marL="0" indent="0">
+              <a:buNone/>
+            </a:pPr>
+            <a:endParaRPr lang="zh-CN" altLang="en-US" dirty="0">
+              <a:solidFill>
+                <a:schemeClr val="bg1"/>
+              </a:solidFill>
+            </a:endParaRPr>
+          </a:p>
+        </p:txBody>
+      </p:sp>
+      <p:graphicFrame>
+        <p:nvGraphicFramePr>
+          <p:cNvPr id="4" name="表格 3"/>
+          <p:cNvGraphicFramePr>
+            <a:graphicFrameLocks noGrp="1"/>
+          </p:cNvGraphicFramePr>
+          <p:nvPr>
+            <p:extLst>
+              <p:ext uri="{D42A27DB-BD31-4B8C-83A1-F6EECF244321}">
+                <p14:modId xmlns:p14="http://schemas.microsoft.com/office/powerpoint/2010/main" val="634872723"/>
+              </p:ext>
+            </p:extLst>
+          </p:nvPr>
+        </p:nvGraphicFramePr>
+        <p:xfrm>
+          <a:off x="611560" y="3356994"/>
+          <a:ext cx="8064896" cy="2592284"/>
+        </p:xfrm>
+        <a:graphic>
+          <a:graphicData uri="http://schemas.openxmlformats.org/drawingml/2006/table">
+            <a:tbl>
+              <a:tblPr/>
+              <a:tblGrid>
+                <a:gridCol w="4032448"/>
+                <a:gridCol w="4032448"/>
+              </a:tblGrid>
+              <a:tr h="437920">
+                <a:tc>
+                  <a:txBody>
+                    <a:bodyPr/>
+                    <a:lstStyle/>
+                    <a:p>
+                      <a:pPr algn="l" fontAlgn="t"/>
+                      <a:r>
+                        <a:rPr lang="zh-CN" altLang="en-US">
+                          <a:solidFill>
+                            <a:srgbClr val="FFFFFF"/>
+                          </a:solidFill>
+                          <a:effectLst/>
+                        </a:rPr>
+                        <a:t>属性</a:t>
+                      </a:r>
+                    </a:p>
+                  </a:txBody>
+                  <a:tcPr marL="28575" marR="28575" marT="28575" marB="28575">
+                    <a:lnL w="9525" cap="flat" cmpd="sng" algn="ctr">
+                      <a:solidFill>
+                        <a:srgbClr val="555555"/>
+                      </a:solidFill>
+                      <a:prstDash val="solid"/>
+                      <a:round/>
+                      <a:headEnd type="none" w="med" len="med"/>
+                      <a:tailEnd type="none" w="med" len="med"/>
+                    </a:lnL>
+                    <a:lnR w="9525" cap="flat" cmpd="sng" algn="ctr">
+                      <a:solidFill>
+                        <a:srgbClr val="555555"/>
+                      </a:solidFill>
+                      <a:prstDash val="solid"/>
+                      <a:round/>
+                      <a:headEnd type="none" w="med" len="med"/>
+                      <a:tailEnd type="none" w="med" len="med"/>
+                    </a:lnR>
+                    <a:lnT w="9525" cap="flat" cmpd="sng" algn="ctr">
+                      <a:solidFill>
+                        <a:srgbClr val="555555"/>
+                      </a:solidFill>
+                      <a:prstDash val="solid"/>
+                      <a:round/>
+                      <a:headEnd type="none" w="med" len="med"/>
+                      <a:tailEnd type="none" w="med" len="med"/>
+                    </a:lnT>
+                    <a:lnB w="9525" cap="flat" cmpd="sng" algn="ctr">
+                      <a:solidFill>
+                        <a:srgbClr val="D4D4D4"/>
+                      </a:solidFill>
+                      <a:prstDash val="solid"/>
+                      <a:round/>
+                      <a:headEnd type="none" w="med" len="med"/>
+                      <a:tailEnd type="none" w="med" len="med"/>
+                    </a:lnB>
+                    <a:solidFill>
+                      <a:srgbClr val="555555"/>
+                    </a:solidFill>
+                  </a:tcPr>
+                </a:tc>
+                <a:tc>
+                  <a:txBody>
+                    <a:bodyPr/>
+                    <a:lstStyle/>
+                    <a:p>
+                      <a:pPr algn="l" fontAlgn="t"/>
+                      <a:r>
+                        <a:rPr lang="zh-CN" altLang="en-US">
+                          <a:solidFill>
+                            <a:srgbClr val="FFFFFF"/>
+                          </a:solidFill>
+                          <a:effectLst/>
+                        </a:rPr>
+                        <a:t>描述</a:t>
+                      </a:r>
+                    </a:p>
+                  </a:txBody>
+                  <a:tcPr marL="28575" marR="28575" marT="28575" marB="28575">
+                    <a:lnL w="9525" cap="flat" cmpd="sng" algn="ctr">
+                      <a:solidFill>
+                        <a:srgbClr val="555555"/>
+                      </a:solidFill>
+                      <a:prstDash val="solid"/>
+                      <a:round/>
+                      <a:headEnd type="none" w="med" len="med"/>
+                      <a:tailEnd type="none" w="med" len="med"/>
+                    </a:lnL>
+                    <a:lnR w="9525" cap="flat" cmpd="sng" algn="ctr">
+                      <a:solidFill>
+                        <a:srgbClr val="555555"/>
+                      </a:solidFill>
+                      <a:prstDash val="solid"/>
+                      <a:round/>
+                      <a:headEnd type="none" w="med" len="med"/>
+                      <a:tailEnd type="none" w="med" len="med"/>
+                    </a:lnR>
+                    <a:lnT w="9525" cap="flat" cmpd="sng" algn="ctr">
+                      <a:solidFill>
+                        <a:srgbClr val="555555"/>
+                      </a:solidFill>
+                      <a:prstDash val="solid"/>
+                      <a:round/>
+                      <a:headEnd type="none" w="med" len="med"/>
+                      <a:tailEnd type="none" w="med" len="med"/>
+                    </a:lnT>
+                    <a:lnB w="9525" cap="flat" cmpd="sng" algn="ctr">
+                      <a:solidFill>
+                        <a:srgbClr val="D4D4D4"/>
+                      </a:solidFill>
+                      <a:prstDash val="solid"/>
+                      <a:round/>
+                      <a:headEnd type="none" w="med" len="med"/>
+                      <a:tailEnd type="none" w="med" len="med"/>
+                    </a:lnB>
+                    <a:solidFill>
+                      <a:srgbClr val="555555"/>
+                    </a:solidFill>
+                  </a:tcPr>
+                </a:tc>
+              </a:tr>
+              <a:tr h="538591">
+                <a:tc>
+                  <a:txBody>
+                    <a:bodyPr/>
+                    <a:lstStyle/>
+                    <a:p>
+                      <a:pPr fontAlgn="t"/>
+                      <a:r>
+                        <a:rPr lang="en-US">
+                          <a:effectLst/>
+                        </a:rPr>
+                        <a:t>$dirty</a:t>
+                      </a:r>
+                    </a:p>
+                  </a:txBody>
+                  <a:tcPr marL="47625" marR="47625" marT="66675" marB="66675">
+                    <a:lnL w="9525" cap="flat" cmpd="sng" algn="ctr">
+                      <a:solidFill>
+                        <a:srgbClr val="D4D4D4"/>
+                      </a:solidFill>
+                      <a:prstDash val="solid"/>
+                      <a:round/>
+                      <a:headEnd type="none" w="med" len="med"/>
+                      <a:tailEnd type="none" w="med" len="med"/>
+                    </a:lnL>
+                    <a:lnR w="9525" cap="flat" cmpd="sng" algn="ctr">
+                      <a:solidFill>
+                        <a:srgbClr val="D4D4D4"/>
+                      </a:solidFill>
+                      <a:prstDash val="solid"/>
+                      <a:round/>
+                      <a:headEnd type="none" w="med" len="med"/>
+                      <a:tailEnd type="none" w="med" len="med"/>
+                    </a:lnR>
+                    <a:lnT w="9525" cap="flat" cmpd="sng" algn="ctr">
+                      <a:solidFill>
+                        <a:srgbClr val="D4D4D4"/>
+                      </a:solidFill>
+                      <a:prstDash val="solid"/>
+                      <a:round/>
+                      <a:headEnd type="none" w="med" len="med"/>
+                      <a:tailEnd type="none" w="med" len="med"/>
+                    </a:lnT>
+                    <a:lnB w="9525" cap="flat" cmpd="sng" algn="ctr">
+                      <a:solidFill>
+                        <a:srgbClr val="D4D4D4"/>
+                      </a:solidFill>
+                      <a:prstDash val="solid"/>
+                      <a:round/>
+                      <a:headEnd type="none" w="med" len="med"/>
+                      <a:tailEnd type="none" w="med" len="med"/>
+                    </a:lnB>
+                    <a:solidFill>
+                      <a:srgbClr val="FFFFFF"/>
+                    </a:solidFill>
+                  </a:tcPr>
+                </a:tc>
+                <a:tc>
+                  <a:txBody>
+                    <a:bodyPr/>
+                    <a:lstStyle/>
+                    <a:p>
+                      <a:pPr fontAlgn="t"/>
+                      <a:r>
+                        <a:rPr lang="zh-CN" altLang="en-US">
+                          <a:effectLst/>
+                        </a:rPr>
+                        <a:t>表单有填写记录</a:t>
+                      </a:r>
+                    </a:p>
+                  </a:txBody>
+                  <a:tcPr marL="47625" marR="47625" marT="66675" marB="66675">
+                    <a:lnL w="9525" cap="flat" cmpd="sng" algn="ctr">
+                      <a:solidFill>
+                        <a:srgbClr val="D4D4D4"/>
+                      </a:solidFill>
+                      <a:prstDash val="solid"/>
+                      <a:round/>
+                      <a:headEnd type="none" w="med" len="med"/>
+                      <a:tailEnd type="none" w="med" len="med"/>
+                    </a:lnL>
+                    <a:lnR w="9525" cap="flat" cmpd="sng" algn="ctr">
+                      <a:solidFill>
+                        <a:srgbClr val="D4D4D4"/>
+                      </a:solidFill>
+                      <a:prstDash val="solid"/>
+                      <a:round/>
+                      <a:headEnd type="none" w="med" len="med"/>
+                      <a:tailEnd type="none" w="med" len="med"/>
+                    </a:lnR>
+                    <a:lnT w="9525" cap="flat" cmpd="sng" algn="ctr">
+                      <a:solidFill>
+                        <a:srgbClr val="D4D4D4"/>
+                      </a:solidFill>
+                      <a:prstDash val="solid"/>
+                      <a:round/>
+                      <a:headEnd type="none" w="med" len="med"/>
+                      <a:tailEnd type="none" w="med" len="med"/>
+                    </a:lnT>
+                    <a:lnB w="9525" cap="flat" cmpd="sng" algn="ctr">
+                      <a:solidFill>
+                        <a:srgbClr val="D4D4D4"/>
+                      </a:solidFill>
+                      <a:prstDash val="solid"/>
+                      <a:round/>
+                      <a:headEnd type="none" w="med" len="med"/>
+                      <a:tailEnd type="none" w="med" len="med"/>
+                    </a:lnB>
+                    <a:solidFill>
+                      <a:srgbClr val="FFFFFF"/>
+                    </a:solidFill>
+                  </a:tcPr>
+                </a:tc>
+              </a:tr>
+              <a:tr h="538591">
+                <a:tc>
+                  <a:txBody>
+                    <a:bodyPr/>
+                    <a:lstStyle/>
+                    <a:p>
+                      <a:pPr fontAlgn="t"/>
+                      <a:r>
+                        <a:rPr lang="en-US">
+                          <a:effectLst/>
+                        </a:rPr>
+                        <a:t>$valid</a:t>
+                      </a:r>
+                    </a:p>
+                  </a:txBody>
+                  <a:tcPr marL="47625" marR="47625" marT="66675" marB="66675">
+                    <a:lnL w="9525" cap="flat" cmpd="sng" algn="ctr">
+                      <a:solidFill>
+                        <a:srgbClr val="D4D4D4"/>
+                      </a:solidFill>
+                      <a:prstDash val="solid"/>
+                      <a:round/>
+                      <a:headEnd type="none" w="med" len="med"/>
+                      <a:tailEnd type="none" w="med" len="med"/>
+                    </a:lnL>
+                    <a:lnR w="9525" cap="flat" cmpd="sng" algn="ctr">
+                      <a:solidFill>
+                        <a:srgbClr val="D4D4D4"/>
+                      </a:solidFill>
+                      <a:prstDash val="solid"/>
+                      <a:round/>
+                      <a:headEnd type="none" w="med" len="med"/>
+                      <a:tailEnd type="none" w="med" len="med"/>
+                    </a:lnR>
+                    <a:lnT w="9525" cap="flat" cmpd="sng" algn="ctr">
+                      <a:solidFill>
+                        <a:srgbClr val="D4D4D4"/>
+                      </a:solidFill>
+                      <a:prstDash val="solid"/>
+                      <a:round/>
+                      <a:headEnd type="none" w="med" len="med"/>
+                      <a:tailEnd type="none" w="med" len="med"/>
+                    </a:lnT>
+                    <a:lnB w="9525" cap="flat" cmpd="sng" algn="ctr">
+                      <a:solidFill>
+                        <a:srgbClr val="D4D4D4"/>
+                      </a:solidFill>
+                      <a:prstDash val="solid"/>
+                      <a:round/>
+                      <a:headEnd type="none" w="med" len="med"/>
+                      <a:tailEnd type="none" w="med" len="med"/>
+                    </a:lnB>
+                    <a:solidFill>
+                      <a:srgbClr val="F6F4F0"/>
+                    </a:solidFill>
+                  </a:tcPr>
+                </a:tc>
+                <a:tc>
+                  <a:txBody>
+                    <a:bodyPr/>
+                    <a:lstStyle/>
+                    <a:p>
+                      <a:pPr fontAlgn="t"/>
+                      <a:r>
+                        <a:rPr lang="zh-CN" altLang="en-US">
+                          <a:effectLst/>
+                        </a:rPr>
+                        <a:t>字段内容合法的</a:t>
+                      </a:r>
+                    </a:p>
+                  </a:txBody>
+                  <a:tcPr marL="47625" marR="47625" marT="66675" marB="66675">
+                    <a:lnL w="9525" cap="flat" cmpd="sng" algn="ctr">
+                      <a:solidFill>
+                        <a:srgbClr val="D4D4D4"/>
+                      </a:solidFill>
+                      <a:prstDash val="solid"/>
+                      <a:round/>
+                      <a:headEnd type="none" w="med" len="med"/>
+                      <a:tailEnd type="none" w="med" len="med"/>
+                    </a:lnL>
+                    <a:lnR w="9525" cap="flat" cmpd="sng" algn="ctr">
+                      <a:solidFill>
+                        <a:srgbClr val="D4D4D4"/>
+                      </a:solidFill>
+                      <a:prstDash val="solid"/>
+                      <a:round/>
+                      <a:headEnd type="none" w="med" len="med"/>
+                      <a:tailEnd type="none" w="med" len="med"/>
+                    </a:lnR>
+                    <a:lnT w="9525" cap="flat" cmpd="sng" algn="ctr">
+                      <a:solidFill>
+                        <a:srgbClr val="D4D4D4"/>
+                      </a:solidFill>
+                      <a:prstDash val="solid"/>
+                      <a:round/>
+                      <a:headEnd type="none" w="med" len="med"/>
+                      <a:tailEnd type="none" w="med" len="med"/>
+                    </a:lnT>
+                    <a:lnB w="9525" cap="flat" cmpd="sng" algn="ctr">
+                      <a:solidFill>
+                        <a:srgbClr val="D4D4D4"/>
+                      </a:solidFill>
+                      <a:prstDash val="solid"/>
+                      <a:round/>
+                      <a:headEnd type="none" w="med" len="med"/>
+                      <a:tailEnd type="none" w="med" len="med"/>
+                    </a:lnB>
+                    <a:solidFill>
+                      <a:srgbClr val="F6F4F0"/>
+                    </a:solidFill>
+                  </a:tcPr>
+                </a:tc>
+              </a:tr>
+              <a:tr h="538591">
+                <a:tc>
+                  <a:txBody>
+                    <a:bodyPr/>
+                    <a:lstStyle/>
+                    <a:p>
+                      <a:pPr fontAlgn="t"/>
+                      <a:r>
+                        <a:rPr lang="en-US">
+                          <a:effectLst/>
+                        </a:rPr>
+                        <a:t>$invalid</a:t>
+                      </a:r>
+                    </a:p>
+                  </a:txBody>
+                  <a:tcPr marL="47625" marR="47625" marT="66675" marB="66675">
+                    <a:lnL w="9525" cap="flat" cmpd="sng" algn="ctr">
+                      <a:solidFill>
+                        <a:srgbClr val="D4D4D4"/>
+                      </a:solidFill>
+                      <a:prstDash val="solid"/>
+                      <a:round/>
+                      <a:headEnd type="none" w="med" len="med"/>
+                      <a:tailEnd type="none" w="med" len="med"/>
+                    </a:lnL>
+                    <a:lnR w="9525" cap="flat" cmpd="sng" algn="ctr">
+                      <a:solidFill>
+                        <a:srgbClr val="D4D4D4"/>
+                      </a:solidFill>
+                      <a:prstDash val="solid"/>
+                      <a:round/>
+                      <a:headEnd type="none" w="med" len="med"/>
+                      <a:tailEnd type="none" w="med" len="med"/>
+                    </a:lnR>
+                    <a:lnT w="9525" cap="flat" cmpd="sng" algn="ctr">
+                      <a:solidFill>
+                        <a:srgbClr val="D4D4D4"/>
+                      </a:solidFill>
+                      <a:prstDash val="solid"/>
+                      <a:round/>
+                      <a:headEnd type="none" w="med" len="med"/>
+                      <a:tailEnd type="none" w="med" len="med"/>
+                    </a:lnT>
+                    <a:lnB w="9525" cap="flat" cmpd="sng" algn="ctr">
+                      <a:solidFill>
+                        <a:srgbClr val="D4D4D4"/>
+                      </a:solidFill>
+                      <a:prstDash val="solid"/>
+                      <a:round/>
+                      <a:headEnd type="none" w="med" len="med"/>
+                      <a:tailEnd type="none" w="med" len="med"/>
+                    </a:lnB>
+                    <a:solidFill>
+                      <a:srgbClr val="FFFFFF"/>
+                    </a:solidFill>
+                  </a:tcPr>
+                </a:tc>
+                <a:tc>
+                  <a:txBody>
+                    <a:bodyPr/>
+                    <a:lstStyle/>
+                    <a:p>
+                      <a:pPr fontAlgn="t"/>
+                      <a:r>
+                        <a:rPr lang="zh-CN" altLang="en-US">
+                          <a:effectLst/>
+                        </a:rPr>
+                        <a:t>字段内容是非法的</a:t>
+                      </a:r>
+                    </a:p>
+                  </a:txBody>
+                  <a:tcPr marL="47625" marR="47625" marT="66675" marB="66675">
+                    <a:lnL w="9525" cap="flat" cmpd="sng" algn="ctr">
+                      <a:solidFill>
+                        <a:srgbClr val="D4D4D4"/>
+                      </a:solidFill>
+                      <a:prstDash val="solid"/>
+                      <a:round/>
+                      <a:headEnd type="none" w="med" len="med"/>
+                      <a:tailEnd type="none" w="med" len="med"/>
+                    </a:lnL>
+                    <a:lnR w="9525" cap="flat" cmpd="sng" algn="ctr">
+                      <a:solidFill>
+                        <a:srgbClr val="D4D4D4"/>
+                      </a:solidFill>
+                      <a:prstDash val="solid"/>
+                      <a:round/>
+                      <a:headEnd type="none" w="med" len="med"/>
+                      <a:tailEnd type="none" w="med" len="med"/>
+                    </a:lnR>
+                    <a:lnT w="9525" cap="flat" cmpd="sng" algn="ctr">
+                      <a:solidFill>
+                        <a:srgbClr val="D4D4D4"/>
+                      </a:solidFill>
+                      <a:prstDash val="solid"/>
+                      <a:round/>
+                      <a:headEnd type="none" w="med" len="med"/>
+                      <a:tailEnd type="none" w="med" len="med"/>
+                    </a:lnT>
+                    <a:lnB w="9525" cap="flat" cmpd="sng" algn="ctr">
+                      <a:solidFill>
+                        <a:srgbClr val="D4D4D4"/>
+                      </a:solidFill>
+                      <a:prstDash val="solid"/>
+                      <a:round/>
+                      <a:headEnd type="none" w="med" len="med"/>
+                      <a:tailEnd type="none" w="med" len="med"/>
+                    </a:lnB>
+                    <a:solidFill>
+                      <a:srgbClr val="FFFFFF"/>
+                    </a:solidFill>
+                  </a:tcPr>
+                </a:tc>
+              </a:tr>
+              <a:tr h="538591">
+                <a:tc>
+                  <a:txBody>
+                    <a:bodyPr/>
+                    <a:lstStyle/>
+                    <a:p>
+                      <a:pPr fontAlgn="t"/>
+                      <a:r>
+                        <a:rPr lang="en-US">
+                          <a:effectLst/>
+                        </a:rPr>
+                        <a:t>$pristine</a:t>
+                      </a:r>
+                    </a:p>
+                  </a:txBody>
+                  <a:tcPr marL="47625" marR="47625" marT="66675" marB="66675">
+                    <a:lnL w="9525" cap="flat" cmpd="sng" algn="ctr">
+                      <a:solidFill>
+                        <a:srgbClr val="D4D4D4"/>
+                      </a:solidFill>
+                      <a:prstDash val="solid"/>
+                      <a:round/>
+                      <a:headEnd type="none" w="med" len="med"/>
+                      <a:tailEnd type="none" w="med" len="med"/>
+                    </a:lnL>
+                    <a:lnR w="9525" cap="flat" cmpd="sng" algn="ctr">
+                      <a:solidFill>
+                        <a:srgbClr val="D4D4D4"/>
+                      </a:solidFill>
+                      <a:prstDash val="solid"/>
+                      <a:round/>
+                      <a:headEnd type="none" w="med" len="med"/>
+                      <a:tailEnd type="none" w="med" len="med"/>
+                    </a:lnR>
+                    <a:lnT w="9525" cap="flat" cmpd="sng" algn="ctr">
+                      <a:solidFill>
+                        <a:srgbClr val="D4D4D4"/>
+                      </a:solidFill>
+                      <a:prstDash val="solid"/>
+                      <a:round/>
+                      <a:headEnd type="none" w="med" len="med"/>
+                      <a:tailEnd type="none" w="med" len="med"/>
+                    </a:lnT>
+                    <a:lnB w="9525" cap="flat" cmpd="sng" algn="ctr">
+                      <a:solidFill>
+                        <a:srgbClr val="D4D4D4"/>
+                      </a:solidFill>
+                      <a:prstDash val="solid"/>
+                      <a:round/>
+                      <a:headEnd type="none" w="med" len="med"/>
+                      <a:tailEnd type="none" w="med" len="med"/>
+                    </a:lnB>
+                    <a:solidFill>
+                      <a:srgbClr val="F6F4F0"/>
+                    </a:solidFill>
+                  </a:tcPr>
+                </a:tc>
+                <a:tc>
+                  <a:txBody>
+                    <a:bodyPr/>
+                    <a:lstStyle/>
+                    <a:p>
+                      <a:pPr fontAlgn="t"/>
+                      <a:r>
+                        <a:rPr lang="zh-CN" altLang="en-US" dirty="0">
+                          <a:effectLst/>
+                        </a:rPr>
+                        <a:t>表单没有填写记录</a:t>
+                      </a:r>
+                    </a:p>
+                  </a:txBody>
+                  <a:tcPr marL="47625" marR="47625" marT="66675" marB="66675">
+                    <a:lnL w="9525" cap="flat" cmpd="sng" algn="ctr">
+                      <a:solidFill>
+                        <a:srgbClr val="D4D4D4"/>
+                      </a:solidFill>
+                      <a:prstDash val="solid"/>
+                      <a:round/>
+                      <a:headEnd type="none" w="med" len="med"/>
+                      <a:tailEnd type="none" w="med" len="med"/>
+                    </a:lnL>
+                    <a:lnR w="9525" cap="flat" cmpd="sng" algn="ctr">
+                      <a:solidFill>
+                        <a:srgbClr val="D4D4D4"/>
+                      </a:solidFill>
+                      <a:prstDash val="solid"/>
+                      <a:round/>
+                      <a:headEnd type="none" w="med" len="med"/>
+                      <a:tailEnd type="none" w="med" len="med"/>
+                    </a:lnR>
+                    <a:lnT w="9525" cap="flat" cmpd="sng" algn="ctr">
+                      <a:solidFill>
+                        <a:srgbClr val="D4D4D4"/>
+                      </a:solidFill>
+                      <a:prstDash val="solid"/>
+                      <a:round/>
+                      <a:headEnd type="none" w="med" len="med"/>
+                      <a:tailEnd type="none" w="med" len="med"/>
+                    </a:lnT>
+                    <a:lnB w="9525" cap="flat" cmpd="sng" algn="ctr">
+                      <a:solidFill>
+                        <a:srgbClr val="D4D4D4"/>
+                      </a:solidFill>
+                      <a:prstDash val="solid"/>
+                      <a:round/>
+                      <a:headEnd type="none" w="med" len="med"/>
+                      <a:tailEnd type="none" w="med" len="med"/>
+                    </a:lnB>
+                    <a:solidFill>
+                      <a:srgbClr val="F6F4F0"/>
+                    </a:solidFill>
+                  </a:tcPr>
+                </a:tc>
+              </a:tr>
+            </a:tbl>
+          </a:graphicData>
+        </a:graphic>
+      </p:graphicFrame>
+    </p:spTree>
+    <p:extLst>
+      <p:ext uri="{BB962C8B-B14F-4D97-AF65-F5344CB8AC3E}">
+        <p14:creationId xmlns:p14="http://schemas.microsoft.com/office/powerpoint/2010/main" val="615994701"/>
+      </p:ext>
+    </p:extLst>
+  </p:cSld>
+  <p:clrMapOvr>
+    <a:masterClrMapping/>
+  </p:clrMapOvr>
+</p:sld>
+</file>
+
+<file path=ppt/slides/slide13.xml><?xml version="1.0" encoding="utf-8"?>
+<p:sld xmlns:a="http://schemas.openxmlformats.org/drawingml/2006/main" xmlns:r="http://schemas.openxmlformats.org/officeDocument/2006/relationships" xmlns:p="http://schemas.openxmlformats.org/presentationml/2006/main">
+  <p:cSld>
+    <p:spTree>
+      <p:nvGrpSpPr>
+        <p:cNvPr id="1" name=""/>
+        <p:cNvGrpSpPr/>
+        <p:nvPr/>
+      </p:nvGrpSpPr>
+      <p:grpSpPr>
+        <a:xfrm>
+          <a:off x="0" y="0"/>
+          <a:ext cx="0" cy="0"/>
+          <a:chOff x="0" y="0"/>
+          <a:chExt cx="0" cy="0"/>
+        </a:xfrm>
+      </p:grpSpPr>
+      <p:sp>
+        <p:nvSpPr>
+          <p:cNvPr id="2" name="标题 1"/>
+          <p:cNvSpPr>
+            <a:spLocks noGrp="1"/>
+          </p:cNvSpPr>
+          <p:nvPr>
+            <p:ph type="title"/>
+          </p:nvPr>
+        </p:nvSpPr>
+        <p:spPr>
+          <a:xfrm>
+            <a:off x="457200" y="274638"/>
+            <a:ext cx="8229600" cy="706090"/>
+          </a:xfrm>
+        </p:spPr>
+        <p:txBody>
+          <a:bodyPr>
+            <a:normAutofit/>
+          </a:bodyPr>
+          <a:lstStyle/>
+          <a:p>
+            <a:pPr algn="l"/>
+            <a:r>
+              <a:rPr lang="zh-CN" altLang="en-US" sz="3200" dirty="0">
+                <a:solidFill>
+                  <a:schemeClr val="bg1"/>
+                </a:solidFill>
+              </a:rPr>
+              <a:t>十</a:t>
+            </a:r>
+            <a:r>
+              <a:rPr lang="zh-CN" altLang="en-US" sz="3200" dirty="0" smtClean="0">
+                <a:solidFill>
+                  <a:schemeClr val="bg1"/>
+                </a:solidFill>
+              </a:rPr>
+              <a:t>、</a:t>
+            </a:r>
+            <a:r>
+              <a:rPr lang="en-US" altLang="zh-CN" sz="3200" b="1" dirty="0" smtClean="0">
+                <a:solidFill>
+                  <a:schemeClr val="bg1"/>
+                </a:solidFill>
+              </a:rPr>
+              <a:t>API</a:t>
+            </a:r>
+            <a:endParaRPr lang="zh-CN" altLang="en-US" sz="3200" b="1" dirty="0">
+              <a:solidFill>
+                <a:schemeClr val="bg1"/>
+              </a:solidFill>
+            </a:endParaRPr>
+          </a:p>
+        </p:txBody>
+      </p:sp>
+      <p:sp>
+        <p:nvSpPr>
+          <p:cNvPr id="3" name="内容占位符 2"/>
+          <p:cNvSpPr>
+            <a:spLocks noGrp="1"/>
+          </p:cNvSpPr>
+          <p:nvPr>
+            <p:ph idx="1"/>
+          </p:nvPr>
+        </p:nvSpPr>
+        <p:spPr>
+          <a:xfrm>
+            <a:off x="457200" y="1412776"/>
+            <a:ext cx="8229600" cy="4713387"/>
+          </a:xfrm>
+        </p:spPr>
+        <p:txBody>
+          <a:bodyPr>
+            <a:normAutofit/>
+          </a:bodyPr>
+          <a:lstStyle/>
+          <a:p>
+            <a:pPr marL="0" indent="0">
+              <a:buNone/>
+            </a:pPr>
+            <a:r>
+              <a:rPr lang="en-US" altLang="zh-CN" dirty="0" err="1">
+                <a:solidFill>
+                  <a:schemeClr val="bg1"/>
+                </a:solidFill>
+              </a:rPr>
+              <a:t>AngularJS</a:t>
+            </a:r>
+            <a:r>
+              <a:rPr lang="en-US" altLang="zh-CN" dirty="0">
+                <a:solidFill>
+                  <a:schemeClr val="bg1"/>
+                </a:solidFill>
+              </a:rPr>
+              <a:t> </a:t>
+            </a:r>
+            <a:r>
+              <a:rPr lang="zh-CN" altLang="en-US" dirty="0">
+                <a:solidFill>
+                  <a:schemeClr val="bg1"/>
+                </a:solidFill>
+              </a:rPr>
+              <a:t>全局 </a:t>
+            </a:r>
+            <a:r>
+              <a:rPr lang="en-US" altLang="zh-CN" dirty="0">
+                <a:solidFill>
+                  <a:schemeClr val="bg1"/>
+                </a:solidFill>
+              </a:rPr>
+              <a:t>API </a:t>
+            </a:r>
+            <a:r>
+              <a:rPr lang="zh-CN" altLang="en-US" dirty="0">
+                <a:solidFill>
+                  <a:schemeClr val="bg1"/>
+                </a:solidFill>
+              </a:rPr>
+              <a:t>用于执行常见任务的 </a:t>
+            </a:r>
+            <a:r>
+              <a:rPr lang="en-US" altLang="zh-CN" dirty="0">
+                <a:solidFill>
+                  <a:schemeClr val="bg1"/>
+                </a:solidFill>
+              </a:rPr>
+              <a:t>JavaScript </a:t>
+            </a:r>
+            <a:r>
+              <a:rPr lang="zh-CN" altLang="en-US" dirty="0">
+                <a:solidFill>
+                  <a:schemeClr val="bg1"/>
+                </a:solidFill>
+              </a:rPr>
+              <a:t>函数集合，如：</a:t>
+            </a:r>
+          </a:p>
+          <a:p>
+            <a:pPr marL="0" indent="0">
+              <a:buNone/>
+            </a:pPr>
+            <a:r>
+              <a:rPr lang="zh-CN" altLang="en-US" dirty="0">
+                <a:solidFill>
+                  <a:schemeClr val="bg1"/>
+                </a:solidFill>
+              </a:rPr>
+              <a:t>比较对</a:t>
+            </a:r>
+            <a:r>
+              <a:rPr lang="zh-CN" altLang="en-US" dirty="0" smtClean="0">
+                <a:solidFill>
+                  <a:schemeClr val="bg1"/>
+                </a:solidFill>
+              </a:rPr>
+              <a:t>象、迭</a:t>
+            </a:r>
+            <a:r>
+              <a:rPr lang="zh-CN" altLang="en-US" dirty="0">
+                <a:solidFill>
+                  <a:schemeClr val="bg1"/>
+                </a:solidFill>
+              </a:rPr>
+              <a:t>代对</a:t>
+            </a:r>
+            <a:r>
+              <a:rPr lang="zh-CN" altLang="en-US" dirty="0" smtClean="0">
+                <a:solidFill>
+                  <a:schemeClr val="bg1"/>
+                </a:solidFill>
+              </a:rPr>
+              <a:t>象、转</a:t>
+            </a:r>
+            <a:r>
+              <a:rPr lang="zh-CN" altLang="en-US" dirty="0">
+                <a:solidFill>
+                  <a:schemeClr val="bg1"/>
+                </a:solidFill>
+              </a:rPr>
+              <a:t>换对</a:t>
+            </a:r>
+            <a:r>
+              <a:rPr lang="zh-CN" altLang="en-US" dirty="0" smtClean="0">
+                <a:solidFill>
+                  <a:schemeClr val="bg1"/>
+                </a:solidFill>
+              </a:rPr>
+              <a:t>象</a:t>
+            </a:r>
+            <a:endParaRPr lang="en-US" altLang="zh-CN" dirty="0" smtClean="0">
+              <a:solidFill>
+                <a:schemeClr val="bg1"/>
+              </a:solidFill>
+            </a:endParaRPr>
+          </a:p>
+          <a:p>
+            <a:pPr marL="0" indent="0">
+              <a:buNone/>
+            </a:pPr>
+            <a:endParaRPr lang="zh-CN" altLang="en-US" dirty="0">
+              <a:solidFill>
+                <a:schemeClr val="bg1"/>
+              </a:solidFill>
+            </a:endParaRPr>
+          </a:p>
+        </p:txBody>
+      </p:sp>
+      <p:graphicFrame>
+        <p:nvGraphicFramePr>
+          <p:cNvPr id="4" name="表格 3"/>
+          <p:cNvGraphicFramePr>
+            <a:graphicFrameLocks noGrp="1"/>
+          </p:cNvGraphicFramePr>
+          <p:nvPr>
+            <p:extLst>
+              <p:ext uri="{D42A27DB-BD31-4B8C-83A1-F6EECF244321}">
+                <p14:modId xmlns:p14="http://schemas.microsoft.com/office/powerpoint/2010/main" val="2140498193"/>
+              </p:ext>
+            </p:extLst>
+          </p:nvPr>
+        </p:nvGraphicFramePr>
+        <p:xfrm>
+          <a:off x="539552" y="3284984"/>
+          <a:ext cx="7848872" cy="2510790"/>
+        </p:xfrm>
+        <a:graphic>
+          <a:graphicData uri="http://schemas.openxmlformats.org/drawingml/2006/table">
+            <a:tbl>
+              <a:tblPr/>
+              <a:tblGrid>
+                <a:gridCol w="3471863"/>
+                <a:gridCol w="4377009"/>
+              </a:tblGrid>
+              <a:tr h="0">
+                <a:tc>
+                  <a:txBody>
+                    <a:bodyPr/>
+                    <a:lstStyle/>
+                    <a:p>
+                      <a:pPr algn="l" fontAlgn="t"/>
+                      <a:r>
+                        <a:rPr lang="en-US">
+                          <a:solidFill>
+                            <a:srgbClr val="FFFFFF"/>
+                          </a:solidFill>
+                          <a:effectLst/>
+                        </a:rPr>
+                        <a:t>API</a:t>
+                      </a:r>
+                    </a:p>
+                  </a:txBody>
+                  <a:tcPr marL="28575" marR="28575" marT="28575" marB="28575">
+                    <a:lnL w="9525" cap="flat" cmpd="sng" algn="ctr">
+                      <a:solidFill>
+                        <a:srgbClr val="555555"/>
+                      </a:solidFill>
+                      <a:prstDash val="solid"/>
+                      <a:round/>
+                      <a:headEnd type="none" w="med" len="med"/>
+                      <a:tailEnd type="none" w="med" len="med"/>
+                    </a:lnL>
+                    <a:lnR w="9525" cap="flat" cmpd="sng" algn="ctr">
+                      <a:solidFill>
+                        <a:srgbClr val="555555"/>
+                      </a:solidFill>
+                      <a:prstDash val="solid"/>
+                      <a:round/>
+                      <a:headEnd type="none" w="med" len="med"/>
+                      <a:tailEnd type="none" w="med" len="med"/>
+                    </a:lnR>
+                    <a:lnT w="9525" cap="flat" cmpd="sng" algn="ctr">
+                      <a:solidFill>
+                        <a:srgbClr val="555555"/>
+                      </a:solidFill>
+                      <a:prstDash val="solid"/>
+                      <a:round/>
+                      <a:headEnd type="none" w="med" len="med"/>
+                      <a:tailEnd type="none" w="med" len="med"/>
+                    </a:lnT>
+                    <a:lnB w="9525" cap="flat" cmpd="sng" algn="ctr">
+                      <a:solidFill>
+                        <a:srgbClr val="D4D4D4"/>
+                      </a:solidFill>
+                      <a:prstDash val="solid"/>
+                      <a:round/>
+                      <a:headEnd type="none" w="med" len="med"/>
+                      <a:tailEnd type="none" w="med" len="med"/>
+                    </a:lnB>
+                    <a:solidFill>
+                      <a:srgbClr val="555555"/>
+                    </a:solidFill>
+                  </a:tcPr>
+                </a:tc>
+                <a:tc>
+                  <a:txBody>
+                    <a:bodyPr/>
+                    <a:lstStyle/>
+                    <a:p>
+                      <a:pPr algn="l" fontAlgn="t"/>
+                      <a:r>
+                        <a:rPr lang="zh-CN" altLang="en-US">
+                          <a:solidFill>
+                            <a:srgbClr val="FFFFFF"/>
+                          </a:solidFill>
+                          <a:effectLst/>
+                        </a:rPr>
+                        <a:t>描述</a:t>
+                      </a:r>
+                    </a:p>
+                  </a:txBody>
+                  <a:tcPr marL="28575" marR="28575" marT="28575" marB="28575">
+                    <a:lnL w="9525" cap="flat" cmpd="sng" algn="ctr">
+                      <a:solidFill>
+                        <a:srgbClr val="555555"/>
+                      </a:solidFill>
+                      <a:prstDash val="solid"/>
+                      <a:round/>
+                      <a:headEnd type="none" w="med" len="med"/>
+                      <a:tailEnd type="none" w="med" len="med"/>
+                    </a:lnL>
+                    <a:lnR w="9525" cap="flat" cmpd="sng" algn="ctr">
+                      <a:solidFill>
+                        <a:srgbClr val="555555"/>
+                      </a:solidFill>
+                      <a:prstDash val="solid"/>
+                      <a:round/>
+                      <a:headEnd type="none" w="med" len="med"/>
+                      <a:tailEnd type="none" w="med" len="med"/>
+                    </a:lnR>
+                    <a:lnT w="9525" cap="flat" cmpd="sng" algn="ctr">
+                      <a:solidFill>
+                        <a:srgbClr val="555555"/>
+                      </a:solidFill>
+                      <a:prstDash val="solid"/>
+                      <a:round/>
+                      <a:headEnd type="none" w="med" len="med"/>
+                      <a:tailEnd type="none" w="med" len="med"/>
+                    </a:lnT>
+                    <a:lnB w="9525" cap="flat" cmpd="sng" algn="ctr">
+                      <a:solidFill>
+                        <a:srgbClr val="D4D4D4"/>
+                      </a:solidFill>
+                      <a:prstDash val="solid"/>
+                      <a:round/>
+                      <a:headEnd type="none" w="med" len="med"/>
+                      <a:tailEnd type="none" w="med" len="med"/>
+                    </a:lnB>
+                    <a:solidFill>
+                      <a:srgbClr val="555555"/>
+                    </a:solidFill>
+                  </a:tcPr>
+                </a:tc>
+              </a:tr>
+              <a:tr h="0">
+                <a:tc>
+                  <a:txBody>
+                    <a:bodyPr/>
+                    <a:lstStyle/>
+                    <a:p>
+                      <a:pPr fontAlgn="t"/>
+                      <a:r>
+                        <a:rPr lang="en-US">
+                          <a:effectLst/>
+                        </a:rPr>
+                        <a:t>angular.lowercase()</a:t>
+                      </a:r>
+                    </a:p>
+                  </a:txBody>
+                  <a:tcPr marL="47625" marR="47625" marT="66675" marB="66675">
+                    <a:lnL w="9525" cap="flat" cmpd="sng" algn="ctr">
+                      <a:solidFill>
+                        <a:srgbClr val="D4D4D4"/>
+                      </a:solidFill>
+                      <a:prstDash val="solid"/>
+                      <a:round/>
+                      <a:headEnd type="none" w="med" len="med"/>
+                      <a:tailEnd type="none" w="med" len="med"/>
+                    </a:lnL>
+                    <a:lnR w="9525" cap="flat" cmpd="sng" algn="ctr">
+                      <a:solidFill>
+                        <a:srgbClr val="D4D4D4"/>
+                      </a:solidFill>
+                      <a:prstDash val="solid"/>
+                      <a:round/>
+                      <a:headEnd type="none" w="med" len="med"/>
+                      <a:tailEnd type="none" w="med" len="med"/>
+                    </a:lnR>
+                    <a:lnT w="9525" cap="flat" cmpd="sng" algn="ctr">
+                      <a:solidFill>
+                        <a:srgbClr val="D4D4D4"/>
+                      </a:solidFill>
+                      <a:prstDash val="solid"/>
+                      <a:round/>
+                      <a:headEnd type="none" w="med" len="med"/>
+                      <a:tailEnd type="none" w="med" len="med"/>
+                    </a:lnT>
+                    <a:lnB w="9525" cap="flat" cmpd="sng" algn="ctr">
+                      <a:solidFill>
+                        <a:srgbClr val="D4D4D4"/>
+                      </a:solidFill>
+                      <a:prstDash val="solid"/>
+                      <a:round/>
+                      <a:headEnd type="none" w="med" len="med"/>
+                      <a:tailEnd type="none" w="med" len="med"/>
+                    </a:lnB>
+                    <a:solidFill>
+                      <a:srgbClr val="FFFFFF"/>
+                    </a:solidFill>
+                  </a:tcPr>
+                </a:tc>
+                <a:tc>
+                  <a:txBody>
+                    <a:bodyPr/>
+                    <a:lstStyle/>
+                    <a:p>
+                      <a:pPr fontAlgn="t"/>
+                      <a:r>
+                        <a:rPr lang="zh-CN" altLang="en-US">
+                          <a:effectLst/>
+                        </a:rPr>
+                        <a:t>转换字符串为小写</a:t>
+                      </a:r>
+                    </a:p>
+                  </a:txBody>
+                  <a:tcPr marL="47625" marR="47625" marT="66675" marB="66675">
+                    <a:lnL w="9525" cap="flat" cmpd="sng" algn="ctr">
+                      <a:solidFill>
+                        <a:srgbClr val="D4D4D4"/>
+                      </a:solidFill>
+                      <a:prstDash val="solid"/>
+                      <a:round/>
+                      <a:headEnd type="none" w="med" len="med"/>
+                      <a:tailEnd type="none" w="med" len="med"/>
+                    </a:lnL>
+                    <a:lnR w="9525" cap="flat" cmpd="sng" algn="ctr">
+                      <a:solidFill>
+                        <a:srgbClr val="D4D4D4"/>
+                      </a:solidFill>
+                      <a:prstDash val="solid"/>
+                      <a:round/>
+                      <a:headEnd type="none" w="med" len="med"/>
+                      <a:tailEnd type="none" w="med" len="med"/>
+                    </a:lnR>
+                    <a:lnT w="9525" cap="flat" cmpd="sng" algn="ctr">
+                      <a:solidFill>
+                        <a:srgbClr val="D4D4D4"/>
+                      </a:solidFill>
+                      <a:prstDash val="solid"/>
+                      <a:round/>
+                      <a:headEnd type="none" w="med" len="med"/>
+                      <a:tailEnd type="none" w="med" len="med"/>
+                    </a:lnT>
+                    <a:lnB w="9525" cap="flat" cmpd="sng" algn="ctr">
+                      <a:solidFill>
+                        <a:srgbClr val="D4D4D4"/>
+                      </a:solidFill>
+                      <a:prstDash val="solid"/>
+                      <a:round/>
+                      <a:headEnd type="none" w="med" len="med"/>
+                      <a:tailEnd type="none" w="med" len="med"/>
+                    </a:lnB>
+                    <a:solidFill>
+                      <a:srgbClr val="FFFFFF"/>
+                    </a:solidFill>
+                  </a:tcPr>
+                </a:tc>
+              </a:tr>
+              <a:tr h="0">
+                <a:tc>
+                  <a:txBody>
+                    <a:bodyPr/>
+                    <a:lstStyle/>
+                    <a:p>
+                      <a:pPr fontAlgn="t"/>
+                      <a:r>
+                        <a:rPr lang="en-US">
+                          <a:effectLst/>
+                        </a:rPr>
+                        <a:t>angular.uppercase()</a:t>
+                      </a:r>
+                    </a:p>
+                  </a:txBody>
+                  <a:tcPr marL="47625" marR="47625" marT="66675" marB="66675">
+                    <a:lnL w="9525" cap="flat" cmpd="sng" algn="ctr">
+                      <a:solidFill>
+                        <a:srgbClr val="D4D4D4"/>
+                      </a:solidFill>
+                      <a:prstDash val="solid"/>
+                      <a:round/>
+                      <a:headEnd type="none" w="med" len="med"/>
+                      <a:tailEnd type="none" w="med" len="med"/>
+                    </a:lnL>
+                    <a:lnR w="9525" cap="flat" cmpd="sng" algn="ctr">
+                      <a:solidFill>
+                        <a:srgbClr val="D4D4D4"/>
+                      </a:solidFill>
+                      <a:prstDash val="solid"/>
+                      <a:round/>
+                      <a:headEnd type="none" w="med" len="med"/>
+                      <a:tailEnd type="none" w="med" len="med"/>
+                    </a:lnR>
+                    <a:lnT w="9525" cap="flat" cmpd="sng" algn="ctr">
+                      <a:solidFill>
+                        <a:srgbClr val="D4D4D4"/>
+                      </a:solidFill>
+                      <a:prstDash val="solid"/>
+                      <a:round/>
+                      <a:headEnd type="none" w="med" len="med"/>
+                      <a:tailEnd type="none" w="med" len="med"/>
+                    </a:lnT>
+                    <a:lnB w="9525" cap="flat" cmpd="sng" algn="ctr">
+                      <a:solidFill>
+                        <a:srgbClr val="D4D4D4"/>
+                      </a:solidFill>
+                      <a:prstDash val="solid"/>
+                      <a:round/>
+                      <a:headEnd type="none" w="med" len="med"/>
+                      <a:tailEnd type="none" w="med" len="med"/>
+                    </a:lnB>
+                    <a:solidFill>
+                      <a:srgbClr val="F6F4F0"/>
+                    </a:solidFill>
+                  </a:tcPr>
+                </a:tc>
+                <a:tc>
+                  <a:txBody>
+                    <a:bodyPr/>
+                    <a:lstStyle/>
+                    <a:p>
+                      <a:pPr fontAlgn="t"/>
+                      <a:r>
+                        <a:rPr lang="zh-CN" altLang="en-US">
+                          <a:effectLst/>
+                        </a:rPr>
+                        <a:t>转换字符串为大写</a:t>
+                      </a:r>
+                    </a:p>
+                  </a:txBody>
+                  <a:tcPr marL="47625" marR="47625" marT="66675" marB="66675">
+                    <a:lnL w="9525" cap="flat" cmpd="sng" algn="ctr">
+                      <a:solidFill>
+                        <a:srgbClr val="D4D4D4"/>
+                      </a:solidFill>
+                      <a:prstDash val="solid"/>
+                      <a:round/>
+                      <a:headEnd type="none" w="med" len="med"/>
+                      <a:tailEnd type="none" w="med" len="med"/>
+                    </a:lnL>
+                    <a:lnR w="9525" cap="flat" cmpd="sng" algn="ctr">
+                      <a:solidFill>
+                        <a:srgbClr val="D4D4D4"/>
+                      </a:solidFill>
+                      <a:prstDash val="solid"/>
+                      <a:round/>
+                      <a:headEnd type="none" w="med" len="med"/>
+                      <a:tailEnd type="none" w="med" len="med"/>
+                    </a:lnR>
+                    <a:lnT w="9525" cap="flat" cmpd="sng" algn="ctr">
+                      <a:solidFill>
+                        <a:srgbClr val="D4D4D4"/>
+                      </a:solidFill>
+                      <a:prstDash val="solid"/>
+                      <a:round/>
+                      <a:headEnd type="none" w="med" len="med"/>
+                      <a:tailEnd type="none" w="med" len="med"/>
+                    </a:lnT>
+                    <a:lnB w="9525" cap="flat" cmpd="sng" algn="ctr">
+                      <a:solidFill>
+                        <a:srgbClr val="D4D4D4"/>
+                      </a:solidFill>
+                      <a:prstDash val="solid"/>
+                      <a:round/>
+                      <a:headEnd type="none" w="med" len="med"/>
+                      <a:tailEnd type="none" w="med" len="med"/>
+                    </a:lnB>
+                    <a:solidFill>
+                      <a:srgbClr val="F6F4F0"/>
+                    </a:solidFill>
+                  </a:tcPr>
+                </a:tc>
+              </a:tr>
+              <a:tr h="0">
+                <a:tc>
+                  <a:txBody>
+                    <a:bodyPr/>
+                    <a:lstStyle/>
+                    <a:p>
+                      <a:pPr fontAlgn="t"/>
+                      <a:r>
+                        <a:rPr lang="en-US">
+                          <a:effectLst/>
+                        </a:rPr>
+                        <a:t>angular.isString()</a:t>
+                      </a:r>
+                    </a:p>
+                  </a:txBody>
+                  <a:tcPr marL="47625" marR="47625" marT="66675" marB="66675">
+                    <a:lnL w="9525" cap="flat" cmpd="sng" algn="ctr">
+                      <a:solidFill>
+                        <a:srgbClr val="D4D4D4"/>
+                      </a:solidFill>
+                      <a:prstDash val="solid"/>
+                      <a:round/>
+                      <a:headEnd type="none" w="med" len="med"/>
+                      <a:tailEnd type="none" w="med" len="med"/>
+                    </a:lnL>
+                    <a:lnR w="9525" cap="flat" cmpd="sng" algn="ctr">
+                      <a:solidFill>
+                        <a:srgbClr val="D4D4D4"/>
+                      </a:solidFill>
+                      <a:prstDash val="solid"/>
+                      <a:round/>
+                      <a:headEnd type="none" w="med" len="med"/>
+                      <a:tailEnd type="none" w="med" len="med"/>
+                    </a:lnR>
+                    <a:lnT w="9525" cap="flat" cmpd="sng" algn="ctr">
+                      <a:solidFill>
+                        <a:srgbClr val="D4D4D4"/>
+                      </a:solidFill>
+                      <a:prstDash val="solid"/>
+                      <a:round/>
+                      <a:headEnd type="none" w="med" len="med"/>
+                      <a:tailEnd type="none" w="med" len="med"/>
+                    </a:lnT>
+                    <a:lnB w="9525" cap="flat" cmpd="sng" algn="ctr">
+                      <a:solidFill>
+                        <a:srgbClr val="D4D4D4"/>
+                      </a:solidFill>
+                      <a:prstDash val="solid"/>
+                      <a:round/>
+                      <a:headEnd type="none" w="med" len="med"/>
+                      <a:tailEnd type="none" w="med" len="med"/>
+                    </a:lnB>
+                    <a:solidFill>
+                      <a:srgbClr val="FFFFFF"/>
+                    </a:solidFill>
+                  </a:tcPr>
+                </a:tc>
+                <a:tc>
+                  <a:txBody>
+                    <a:bodyPr/>
+                    <a:lstStyle/>
+                    <a:p>
+                      <a:pPr fontAlgn="t"/>
+                      <a:r>
+                        <a:rPr lang="zh-CN" altLang="en-US">
+                          <a:effectLst/>
+                        </a:rPr>
+                        <a:t>判断给定的对象是否为字符串，如果是返回 </a:t>
+                      </a:r>
+                      <a:r>
+                        <a:rPr lang="en-US" altLang="zh-CN">
+                          <a:effectLst/>
+                        </a:rPr>
+                        <a:t>true</a:t>
+                      </a:r>
+                      <a:r>
+                        <a:rPr lang="zh-CN" altLang="en-US">
+                          <a:effectLst/>
+                        </a:rPr>
+                        <a:t>。</a:t>
+                      </a:r>
+                    </a:p>
+                  </a:txBody>
+                  <a:tcPr marL="47625" marR="47625" marT="66675" marB="66675">
+                    <a:lnL w="9525" cap="flat" cmpd="sng" algn="ctr">
+                      <a:solidFill>
+                        <a:srgbClr val="D4D4D4"/>
+                      </a:solidFill>
+                      <a:prstDash val="solid"/>
+                      <a:round/>
+                      <a:headEnd type="none" w="med" len="med"/>
+                      <a:tailEnd type="none" w="med" len="med"/>
+                    </a:lnL>
+                    <a:lnR w="9525" cap="flat" cmpd="sng" algn="ctr">
+                      <a:solidFill>
+                        <a:srgbClr val="D4D4D4"/>
+                      </a:solidFill>
+                      <a:prstDash val="solid"/>
+                      <a:round/>
+                      <a:headEnd type="none" w="med" len="med"/>
+                      <a:tailEnd type="none" w="med" len="med"/>
+                    </a:lnR>
+                    <a:lnT w="9525" cap="flat" cmpd="sng" algn="ctr">
+                      <a:solidFill>
+                        <a:srgbClr val="D4D4D4"/>
+                      </a:solidFill>
+                      <a:prstDash val="solid"/>
+                      <a:round/>
+                      <a:headEnd type="none" w="med" len="med"/>
+                      <a:tailEnd type="none" w="med" len="med"/>
+                    </a:lnT>
+                    <a:lnB w="9525" cap="flat" cmpd="sng" algn="ctr">
+                      <a:solidFill>
+                        <a:srgbClr val="D4D4D4"/>
+                      </a:solidFill>
+                      <a:prstDash val="solid"/>
+                      <a:round/>
+                      <a:headEnd type="none" w="med" len="med"/>
+                      <a:tailEnd type="none" w="med" len="med"/>
+                    </a:lnB>
+                    <a:solidFill>
+                      <a:srgbClr val="FFFFFF"/>
+                    </a:solidFill>
+                  </a:tcPr>
+                </a:tc>
+              </a:tr>
+              <a:tr h="0">
+                <a:tc>
+                  <a:txBody>
+                    <a:bodyPr/>
+                    <a:lstStyle/>
+                    <a:p>
+                      <a:pPr fontAlgn="t"/>
+                      <a:r>
+                        <a:rPr lang="en-US">
+                          <a:effectLst/>
+                        </a:rPr>
+                        <a:t>angular.isNumber()</a:t>
+                      </a:r>
+                    </a:p>
+                  </a:txBody>
+                  <a:tcPr marL="47625" marR="47625" marT="66675" marB="66675">
+                    <a:lnL w="9525" cap="flat" cmpd="sng" algn="ctr">
+                      <a:solidFill>
+                        <a:srgbClr val="D4D4D4"/>
+                      </a:solidFill>
+                      <a:prstDash val="solid"/>
+                      <a:round/>
+                      <a:headEnd type="none" w="med" len="med"/>
+                      <a:tailEnd type="none" w="med" len="med"/>
+                    </a:lnL>
+                    <a:lnR w="9525" cap="flat" cmpd="sng" algn="ctr">
+                      <a:solidFill>
+                        <a:srgbClr val="D4D4D4"/>
+                      </a:solidFill>
+                      <a:prstDash val="solid"/>
+                      <a:round/>
+                      <a:headEnd type="none" w="med" len="med"/>
+                      <a:tailEnd type="none" w="med" len="med"/>
+                    </a:lnR>
+                    <a:lnT w="9525" cap="flat" cmpd="sng" algn="ctr">
+                      <a:solidFill>
+                        <a:srgbClr val="D4D4D4"/>
+                      </a:solidFill>
+                      <a:prstDash val="solid"/>
+                      <a:round/>
+                      <a:headEnd type="none" w="med" len="med"/>
+                      <a:tailEnd type="none" w="med" len="med"/>
+                    </a:lnT>
+                    <a:lnB w="9525" cap="flat" cmpd="sng" algn="ctr">
+                      <a:solidFill>
+                        <a:srgbClr val="D4D4D4"/>
+                      </a:solidFill>
+                      <a:prstDash val="solid"/>
+                      <a:round/>
+                      <a:headEnd type="none" w="med" len="med"/>
+                      <a:tailEnd type="none" w="med" len="med"/>
+                    </a:lnB>
+                    <a:solidFill>
+                      <a:srgbClr val="F6F4F0"/>
+                    </a:solidFill>
+                  </a:tcPr>
+                </a:tc>
+                <a:tc>
+                  <a:txBody>
+                    <a:bodyPr/>
+                    <a:lstStyle/>
+                    <a:p>
+                      <a:pPr fontAlgn="t"/>
+                      <a:r>
+                        <a:rPr lang="zh-CN" altLang="en-US" dirty="0">
+                          <a:effectLst/>
+                        </a:rPr>
+                        <a:t>判断给定的对象是否为数字，如果是返回 </a:t>
+                      </a:r>
+                      <a:r>
+                        <a:rPr lang="en-US" altLang="zh-CN" dirty="0">
+                          <a:effectLst/>
+                        </a:rPr>
+                        <a:t>true</a:t>
+                      </a:r>
+                    </a:p>
+                  </a:txBody>
+                  <a:tcPr marL="47625" marR="47625" marT="66675" marB="66675">
+                    <a:lnL w="9525" cap="flat" cmpd="sng" algn="ctr">
+                      <a:solidFill>
+                        <a:srgbClr val="D4D4D4"/>
+                      </a:solidFill>
+                      <a:prstDash val="solid"/>
+                      <a:round/>
+                      <a:headEnd type="none" w="med" len="med"/>
+                      <a:tailEnd type="none" w="med" len="med"/>
+                    </a:lnL>
+                    <a:lnR w="9525" cap="flat" cmpd="sng" algn="ctr">
+                      <a:solidFill>
+                        <a:srgbClr val="D4D4D4"/>
+                      </a:solidFill>
+                      <a:prstDash val="solid"/>
+                      <a:round/>
+                      <a:headEnd type="none" w="med" len="med"/>
+                      <a:tailEnd type="none" w="med" len="med"/>
+                    </a:lnR>
+                    <a:lnT w="9525" cap="flat" cmpd="sng" algn="ctr">
+                      <a:solidFill>
+                        <a:srgbClr val="D4D4D4"/>
+                      </a:solidFill>
+                      <a:prstDash val="solid"/>
+                      <a:round/>
+                      <a:headEnd type="none" w="med" len="med"/>
+                      <a:tailEnd type="none" w="med" len="med"/>
+                    </a:lnT>
+                    <a:lnB w="9525" cap="flat" cmpd="sng" algn="ctr">
+                      <a:solidFill>
+                        <a:srgbClr val="D4D4D4"/>
+                      </a:solidFill>
+                      <a:prstDash val="solid"/>
+                      <a:round/>
+                      <a:headEnd type="none" w="med" len="med"/>
+                      <a:tailEnd type="none" w="med" len="med"/>
+                    </a:lnB>
+                    <a:solidFill>
+                      <a:srgbClr val="F6F4F0"/>
+                    </a:solidFill>
+                  </a:tcPr>
+                </a:tc>
+              </a:tr>
+            </a:tbl>
+          </a:graphicData>
+        </a:graphic>
+      </p:graphicFrame>
+    </p:spTree>
+    <p:extLst>
+      <p:ext uri="{BB962C8B-B14F-4D97-AF65-F5344CB8AC3E}">
+        <p14:creationId xmlns:p14="http://schemas.microsoft.com/office/powerpoint/2010/main" val="3264585112"/>
+      </p:ext>
+    </p:extLst>
+  </p:cSld>
+  <p:clrMapOvr>
+    <a:masterClrMapping/>
+  </p:clrMapOvr>
+</p:sld>
+</file>
+
+<file path=ppt/slides/slide14.xml><?xml version="1.0" encoding="utf-8"?>
+<p:sld xmlns:a="http://schemas.openxmlformats.org/drawingml/2006/main" xmlns:r="http://schemas.openxmlformats.org/officeDocument/2006/relationships" xmlns:p="http://schemas.openxmlformats.org/presentationml/2006/main">
+  <p:cSld>
+    <p:spTree>
+      <p:nvGrpSpPr>
+        <p:cNvPr id="1" name=""/>
+        <p:cNvGrpSpPr/>
+        <p:nvPr/>
+      </p:nvGrpSpPr>
+      <p:grpSpPr>
+        <a:xfrm>
+          <a:off x="0" y="0"/>
+          <a:ext cx="0" cy="0"/>
+          <a:chOff x="0" y="0"/>
+          <a:chExt cx="0" cy="0"/>
+        </a:xfrm>
+      </p:grpSpPr>
+      <p:sp>
+        <p:nvSpPr>
+          <p:cNvPr id="2" name="标题 1"/>
+          <p:cNvSpPr>
+            <a:spLocks noGrp="1"/>
+          </p:cNvSpPr>
+          <p:nvPr>
+            <p:ph type="title"/>
+          </p:nvPr>
+        </p:nvSpPr>
+        <p:spPr>
+          <a:xfrm>
+            <a:off x="457200" y="2636912"/>
+            <a:ext cx="8229600" cy="1210146"/>
+          </a:xfrm>
+        </p:spPr>
+        <p:txBody>
+          <a:bodyPr>
+            <a:noAutofit/>
+          </a:bodyPr>
+          <a:lstStyle/>
+          <a:p>
+            <a:r>
+              <a:rPr lang="en-US" altLang="zh-CN" sz="8800" b="1" dirty="0" smtClean="0">
+                <a:solidFill>
+                  <a:schemeClr val="bg1"/>
+                </a:solidFill>
+              </a:rPr>
+              <a:t>END</a:t>
+            </a:r>
+            <a:endParaRPr lang="zh-CN" altLang="en-US" sz="8800" b="1" dirty="0">
+              <a:solidFill>
+                <a:schemeClr val="bg1"/>
+              </a:solidFill>
+            </a:endParaRPr>
+          </a:p>
+        </p:txBody>
+      </p:sp>
+    </p:spTree>
+    <p:extLst>
+      <p:ext uri="{BB962C8B-B14F-4D97-AF65-F5344CB8AC3E}">
+        <p14:creationId xmlns:p14="http://schemas.microsoft.com/office/powerpoint/2010/main" val="2194983253"/>
       </p:ext>
     </p:extLst>
   </p:cSld>

--- a/AngularJS.pptx
+++ b/AngularJS.pptx
@@ -7,10 +7,10 @@
   <p:sldIdLst>
     <p:sldId id="256" r:id="rId2"/>
     <p:sldId id="257" r:id="rId3"/>
-    <p:sldId id="259" r:id="rId4"/>
-    <p:sldId id="260" r:id="rId5"/>
-    <p:sldId id="263" r:id="rId6"/>
-    <p:sldId id="261" r:id="rId7"/>
+    <p:sldId id="260" r:id="rId4"/>
+    <p:sldId id="263" r:id="rId5"/>
+    <p:sldId id="261" r:id="rId6"/>
+    <p:sldId id="259" r:id="rId7"/>
     <p:sldId id="264" r:id="rId8"/>
     <p:sldId id="262" r:id="rId9"/>
     <p:sldId id="265" r:id="rId10"/>
@@ -6693,12 +6693,12 @@
           <a:p>
             <a:pPr algn="l"/>
             <a:r>
-              <a:rPr lang="zh-CN" altLang="en-US" sz="3200" dirty="0">
-                <a:solidFill>
-                  <a:schemeClr val="bg1"/>
-                </a:solidFill>
-              </a:rPr>
-              <a:t>二</a:t>
+              <a:rPr lang="zh-CN" altLang="en-US" sz="3200" smtClean="0">
+                <a:solidFill>
+                  <a:schemeClr val="bg1"/>
+                </a:solidFill>
+              </a:rPr>
+              <a:t>二、</a:t>
             </a:r>
             <a:r>
               <a:rPr lang="zh-CN" altLang="en-US" sz="3200" dirty="0" smtClean="0">
@@ -6706,414 +6706,7 @@
                   <a:schemeClr val="bg1"/>
                 </a:solidFill>
               </a:rPr>
-              <a:t>、表达式</a:t>
-            </a:r>
-            <a:endParaRPr lang="zh-CN" altLang="en-US" sz="3200" dirty="0">
-              <a:solidFill>
-                <a:schemeClr val="bg1"/>
-              </a:solidFill>
-            </a:endParaRPr>
-          </a:p>
-        </p:txBody>
-      </p:sp>
-      <p:sp>
-        <p:nvSpPr>
-          <p:cNvPr id="3" name="内容占位符 2"/>
-          <p:cNvSpPr>
-            <a:spLocks noGrp="1"/>
-          </p:cNvSpPr>
-          <p:nvPr>
-            <p:ph idx="1"/>
-          </p:nvPr>
-        </p:nvSpPr>
-        <p:spPr>
-          <a:xfrm>
-            <a:off x="457200" y="1412776"/>
-            <a:ext cx="8229600" cy="4713387"/>
-          </a:xfrm>
-        </p:spPr>
-        <p:txBody>
-          <a:bodyPr/>
-          <a:lstStyle/>
-          <a:p>
-            <a:pPr marL="0" indent="0">
-              <a:buNone/>
-            </a:pPr>
-            <a:r>
-              <a:rPr lang="en-US" altLang="zh-CN" dirty="0" smtClean="0"/>
-              <a:t>	</a:t>
-            </a:r>
-            <a:r>
-              <a:rPr lang="en-US" altLang="zh-CN" sz="2400" dirty="0" err="1">
-                <a:solidFill>
-                  <a:schemeClr val="bg1"/>
-                </a:solidFill>
-              </a:rPr>
-              <a:t>AngularJS</a:t>
-            </a:r>
-            <a:r>
-              <a:rPr lang="en-US" altLang="zh-CN" sz="2400" dirty="0">
-                <a:solidFill>
-                  <a:schemeClr val="bg1"/>
-                </a:solidFill>
-              </a:rPr>
-              <a:t> </a:t>
-            </a:r>
-            <a:r>
-              <a:rPr lang="zh-CN" altLang="en-US" sz="2400" dirty="0">
-                <a:solidFill>
-                  <a:schemeClr val="bg1"/>
-                </a:solidFill>
-              </a:rPr>
-              <a:t>表达式写在双大括号内：</a:t>
-            </a:r>
-            <a:r>
-              <a:rPr lang="en-US" altLang="zh-CN" sz="2400" b="1" dirty="0">
-                <a:solidFill>
-                  <a:schemeClr val="bg1"/>
-                </a:solidFill>
-              </a:rPr>
-              <a:t>{{ expression }}</a:t>
-            </a:r>
-            <a:r>
-              <a:rPr lang="zh-CN" altLang="en-US" sz="2400" dirty="0">
-                <a:solidFill>
-                  <a:schemeClr val="bg1"/>
-                </a:solidFill>
-              </a:rPr>
-              <a:t>。</a:t>
-            </a:r>
-          </a:p>
-          <a:p>
-            <a:pPr marL="0" indent="0">
-              <a:buNone/>
-            </a:pPr>
-            <a:r>
-              <a:rPr lang="en-US" altLang="zh-CN" sz="2400" dirty="0" err="1">
-                <a:solidFill>
-                  <a:schemeClr val="bg1"/>
-                </a:solidFill>
-              </a:rPr>
-              <a:t>AngularJS</a:t>
-            </a:r>
-            <a:r>
-              <a:rPr lang="en-US" altLang="zh-CN" sz="2400" dirty="0">
-                <a:solidFill>
-                  <a:schemeClr val="bg1"/>
-                </a:solidFill>
-              </a:rPr>
-              <a:t> </a:t>
-            </a:r>
-            <a:r>
-              <a:rPr lang="zh-CN" altLang="en-US" sz="2400" dirty="0">
-                <a:solidFill>
-                  <a:schemeClr val="bg1"/>
-                </a:solidFill>
-              </a:rPr>
-              <a:t>表达式把数据绑定到 </a:t>
-            </a:r>
-            <a:r>
-              <a:rPr lang="en-US" altLang="zh-CN" sz="2400" dirty="0">
-                <a:solidFill>
-                  <a:schemeClr val="bg1"/>
-                </a:solidFill>
-              </a:rPr>
-              <a:t>HTML</a:t>
-            </a:r>
-            <a:r>
-              <a:rPr lang="zh-CN" altLang="en-US" sz="2400" dirty="0">
-                <a:solidFill>
-                  <a:schemeClr val="bg1"/>
-                </a:solidFill>
-              </a:rPr>
-              <a:t>，这与 </a:t>
-            </a:r>
-            <a:r>
-              <a:rPr lang="en-US" altLang="zh-CN" sz="2400" b="1" dirty="0" err="1">
-                <a:solidFill>
-                  <a:schemeClr val="bg1"/>
-                </a:solidFill>
-              </a:rPr>
-              <a:t>ng</a:t>
-            </a:r>
-            <a:r>
-              <a:rPr lang="en-US" altLang="zh-CN" sz="2400" b="1" dirty="0">
-                <a:solidFill>
-                  <a:schemeClr val="bg1"/>
-                </a:solidFill>
-              </a:rPr>
-              <a:t>-bind</a:t>
-            </a:r>
-            <a:r>
-              <a:rPr lang="en-US" altLang="zh-CN" sz="2400" dirty="0">
-                <a:solidFill>
-                  <a:schemeClr val="bg1"/>
-                </a:solidFill>
-              </a:rPr>
-              <a:t> </a:t>
-            </a:r>
-            <a:r>
-              <a:rPr lang="zh-CN" altLang="en-US" sz="2400" dirty="0">
-                <a:solidFill>
-                  <a:schemeClr val="bg1"/>
-                </a:solidFill>
-              </a:rPr>
-              <a:t>指令有异曲同工之妙。</a:t>
-            </a:r>
-          </a:p>
-          <a:p>
-            <a:pPr marL="0" indent="0">
-              <a:buNone/>
-            </a:pPr>
-            <a:r>
-              <a:rPr lang="en-US" altLang="zh-CN" sz="2400" dirty="0" err="1">
-                <a:solidFill>
-                  <a:schemeClr val="bg1"/>
-                </a:solidFill>
-              </a:rPr>
-              <a:t>AngularJS</a:t>
-            </a:r>
-            <a:r>
-              <a:rPr lang="en-US" altLang="zh-CN" sz="2400" dirty="0">
-                <a:solidFill>
-                  <a:schemeClr val="bg1"/>
-                </a:solidFill>
-              </a:rPr>
-              <a:t> </a:t>
-            </a:r>
-            <a:r>
-              <a:rPr lang="zh-CN" altLang="en-US" sz="2400" dirty="0">
-                <a:solidFill>
-                  <a:schemeClr val="bg1"/>
-                </a:solidFill>
-              </a:rPr>
-              <a:t>将在表达式书写的位置</a:t>
-            </a:r>
-            <a:r>
-              <a:rPr lang="en-US" altLang="zh-CN" sz="2400" dirty="0">
-                <a:solidFill>
-                  <a:schemeClr val="bg1"/>
-                </a:solidFill>
-              </a:rPr>
-              <a:t>"</a:t>
-            </a:r>
-            <a:r>
-              <a:rPr lang="zh-CN" altLang="en-US" sz="2400" dirty="0">
-                <a:solidFill>
-                  <a:schemeClr val="bg1"/>
-                </a:solidFill>
-              </a:rPr>
-              <a:t>输出</a:t>
-            </a:r>
-            <a:r>
-              <a:rPr lang="en-US" altLang="zh-CN" sz="2400" dirty="0">
-                <a:solidFill>
-                  <a:schemeClr val="bg1"/>
-                </a:solidFill>
-              </a:rPr>
-              <a:t>"</a:t>
-            </a:r>
-            <a:r>
-              <a:rPr lang="zh-CN" altLang="en-US" sz="2400" dirty="0">
-                <a:solidFill>
-                  <a:schemeClr val="bg1"/>
-                </a:solidFill>
-              </a:rPr>
-              <a:t>数据。</a:t>
-            </a:r>
-          </a:p>
-          <a:p>
-            <a:pPr marL="0" indent="0">
-              <a:buNone/>
-            </a:pPr>
-            <a:r>
-              <a:rPr lang="en-US" altLang="zh-CN" sz="2400" b="1" dirty="0" err="1">
-                <a:solidFill>
-                  <a:schemeClr val="bg1"/>
-                </a:solidFill>
-              </a:rPr>
-              <a:t>AngularJS</a:t>
-            </a:r>
-            <a:r>
-              <a:rPr lang="en-US" altLang="zh-CN" sz="2400" b="1" dirty="0">
-                <a:solidFill>
-                  <a:schemeClr val="bg1"/>
-                </a:solidFill>
-              </a:rPr>
-              <a:t> </a:t>
-            </a:r>
-            <a:r>
-              <a:rPr lang="zh-CN" altLang="en-US" sz="2400" b="1" dirty="0">
-                <a:solidFill>
-                  <a:schemeClr val="bg1"/>
-                </a:solidFill>
-              </a:rPr>
-              <a:t>表达式</a:t>
-            </a:r>
-            <a:r>
-              <a:rPr lang="zh-CN" altLang="en-US" sz="2400" dirty="0">
-                <a:solidFill>
-                  <a:schemeClr val="bg1"/>
-                </a:solidFill>
-              </a:rPr>
-              <a:t> 很像 </a:t>
-            </a:r>
-            <a:r>
-              <a:rPr lang="en-US" altLang="zh-CN" sz="2400" b="1" dirty="0">
-                <a:solidFill>
-                  <a:schemeClr val="bg1"/>
-                </a:solidFill>
-              </a:rPr>
-              <a:t>JavaScript </a:t>
-            </a:r>
-            <a:r>
-              <a:rPr lang="zh-CN" altLang="en-US" sz="2400" b="1" dirty="0">
-                <a:solidFill>
-                  <a:schemeClr val="bg1"/>
-                </a:solidFill>
-              </a:rPr>
-              <a:t>表达式</a:t>
-            </a:r>
-            <a:r>
-              <a:rPr lang="zh-CN" altLang="en-US" sz="2400" dirty="0">
-                <a:solidFill>
-                  <a:schemeClr val="bg1"/>
-                </a:solidFill>
-              </a:rPr>
-              <a:t>：它们可以包含文字、运算符和变量。</a:t>
-            </a:r>
-          </a:p>
-          <a:p>
-            <a:pPr marL="0" indent="0">
-              <a:buNone/>
-            </a:pPr>
-            <a:r>
-              <a:rPr lang="zh-CN" altLang="en-US" sz="2400" dirty="0">
-                <a:solidFill>
-                  <a:schemeClr val="bg1"/>
-                </a:solidFill>
-              </a:rPr>
-              <a:t>实例 </a:t>
-            </a:r>
-            <a:r>
-              <a:rPr lang="en-US" altLang="zh-CN" sz="2400" dirty="0">
-                <a:solidFill>
-                  <a:schemeClr val="bg1"/>
-                </a:solidFill>
-              </a:rPr>
-              <a:t>{{ 5 + 5 }} </a:t>
-            </a:r>
-            <a:r>
-              <a:rPr lang="zh-CN" altLang="en-US" sz="2400" dirty="0">
-                <a:solidFill>
-                  <a:schemeClr val="bg1"/>
-                </a:solidFill>
-              </a:rPr>
-              <a:t>或 </a:t>
-            </a:r>
-            <a:r>
-              <a:rPr lang="en-US" altLang="zh-CN" sz="2400" dirty="0">
-                <a:solidFill>
-                  <a:schemeClr val="bg1"/>
-                </a:solidFill>
-              </a:rPr>
-              <a:t>{{ </a:t>
-            </a:r>
-            <a:r>
-              <a:rPr lang="en-US" altLang="zh-CN" sz="2400" dirty="0" err="1">
-                <a:solidFill>
-                  <a:schemeClr val="bg1"/>
-                </a:solidFill>
-              </a:rPr>
-              <a:t>firstName</a:t>
-            </a:r>
-            <a:r>
-              <a:rPr lang="en-US" altLang="zh-CN" sz="2400" dirty="0">
-                <a:solidFill>
-                  <a:schemeClr val="bg1"/>
-                </a:solidFill>
-              </a:rPr>
-              <a:t> + " " + </a:t>
-            </a:r>
-            <a:r>
-              <a:rPr lang="en-US" altLang="zh-CN" sz="2400" dirty="0" err="1">
-                <a:solidFill>
-                  <a:schemeClr val="bg1"/>
-                </a:solidFill>
-              </a:rPr>
-              <a:t>lastName</a:t>
-            </a:r>
-            <a:r>
-              <a:rPr lang="en-US" altLang="zh-CN" sz="2400" dirty="0">
-                <a:solidFill>
-                  <a:schemeClr val="bg1"/>
-                </a:solidFill>
-              </a:rPr>
-              <a:t> }</a:t>
-            </a:r>
-          </a:p>
-        </p:txBody>
-      </p:sp>
-    </p:spTree>
-    <p:extLst>
-      <p:ext uri="{BB962C8B-B14F-4D97-AF65-F5344CB8AC3E}">
-        <p14:creationId xmlns:p14="http://schemas.microsoft.com/office/powerpoint/2010/main" val="701896849"/>
-      </p:ext>
-    </p:extLst>
-  </p:cSld>
-  <p:clrMapOvr>
-    <a:masterClrMapping/>
-  </p:clrMapOvr>
-</p:sld>
-</file>
-
-<file path=ppt/slides/slide4.xml><?xml version="1.0" encoding="utf-8"?>
-<p:sld xmlns:a="http://schemas.openxmlformats.org/drawingml/2006/main" xmlns:r="http://schemas.openxmlformats.org/officeDocument/2006/relationships" xmlns:p="http://schemas.openxmlformats.org/presentationml/2006/main">
-  <p:cSld>
-    <p:spTree>
-      <p:nvGrpSpPr>
-        <p:cNvPr id="1" name=""/>
-        <p:cNvGrpSpPr/>
-        <p:nvPr/>
-      </p:nvGrpSpPr>
-      <p:grpSpPr>
-        <a:xfrm>
-          <a:off x="0" y="0"/>
-          <a:ext cx="0" cy="0"/>
-          <a:chOff x="0" y="0"/>
-          <a:chExt cx="0" cy="0"/>
-        </a:xfrm>
-      </p:grpSpPr>
-      <p:sp>
-        <p:nvSpPr>
-          <p:cNvPr id="2" name="标题 1"/>
-          <p:cNvSpPr>
-            <a:spLocks noGrp="1"/>
-          </p:cNvSpPr>
-          <p:nvPr>
-            <p:ph type="title"/>
-          </p:nvPr>
-        </p:nvSpPr>
-        <p:spPr>
-          <a:xfrm>
-            <a:off x="457200" y="274638"/>
-            <a:ext cx="8229600" cy="706090"/>
-          </a:xfrm>
-        </p:spPr>
-        <p:txBody>
-          <a:bodyPr>
-            <a:normAutofit/>
-          </a:bodyPr>
-          <a:lstStyle/>
-          <a:p>
-            <a:pPr algn="l"/>
-            <a:r>
-              <a:rPr lang="zh-CN" altLang="en-US" sz="3200" dirty="0" smtClean="0">
-                <a:solidFill>
-                  <a:schemeClr val="bg1"/>
-                </a:solidFill>
-              </a:rPr>
-              <a:t>三、指令</a:t>
+              <a:t>指令</a:t>
             </a:r>
             <a:endParaRPr lang="zh-CN" altLang="en-US" sz="3200" dirty="0">
               <a:solidFill>
@@ -7487,7 +7080,7 @@
 </p:sld>
 </file>
 
-<file path=ppt/slides/slide5.xml><?xml version="1.0" encoding="utf-8"?>
+<file path=ppt/slides/slide4.xml><?xml version="1.0" encoding="utf-8"?>
 <p:sld xmlns:a="http://schemas.openxmlformats.org/drawingml/2006/main" xmlns:r="http://schemas.openxmlformats.org/officeDocument/2006/relationships" xmlns:p="http://schemas.openxmlformats.org/presentationml/2006/main">
   <p:cSld>
     <p:spTree>
@@ -7547,7 +7140,7 @@
 </p:sld>
 </file>
 
-<file path=ppt/slides/slide6.xml><?xml version="1.0" encoding="utf-8"?>
+<file path=ppt/slides/slide5.xml><?xml version="1.0" encoding="utf-8"?>
 <p:sld xmlns:a="http://schemas.openxmlformats.org/drawingml/2006/main" xmlns:r="http://schemas.openxmlformats.org/officeDocument/2006/relationships" xmlns:p="http://schemas.openxmlformats.org/presentationml/2006/main">
   <p:cSld>
     <p:spTree>
@@ -8040,6 +7633,421 @@
     <p:extLst>
       <p:ext uri="{BB962C8B-B14F-4D97-AF65-F5344CB8AC3E}">
         <p14:creationId xmlns:p14="http://schemas.microsoft.com/office/powerpoint/2010/main" val="4129380110"/>
+      </p:ext>
+    </p:extLst>
+  </p:cSld>
+  <p:clrMapOvr>
+    <a:masterClrMapping/>
+  </p:clrMapOvr>
+</p:sld>
+</file>
+
+<file path=ppt/slides/slide6.xml><?xml version="1.0" encoding="utf-8"?>
+<p:sld xmlns:a="http://schemas.openxmlformats.org/drawingml/2006/main" xmlns:r="http://schemas.openxmlformats.org/officeDocument/2006/relationships" xmlns:p="http://schemas.openxmlformats.org/presentationml/2006/main">
+  <p:cSld>
+    <p:spTree>
+      <p:nvGrpSpPr>
+        <p:cNvPr id="1" name=""/>
+        <p:cNvGrpSpPr/>
+        <p:nvPr/>
+      </p:nvGrpSpPr>
+      <p:grpSpPr>
+        <a:xfrm>
+          <a:off x="0" y="0"/>
+          <a:ext cx="0" cy="0"/>
+          <a:chOff x="0" y="0"/>
+          <a:chExt cx="0" cy="0"/>
+        </a:xfrm>
+      </p:grpSpPr>
+      <p:sp>
+        <p:nvSpPr>
+          <p:cNvPr id="2" name="标题 1"/>
+          <p:cNvSpPr>
+            <a:spLocks noGrp="1"/>
+          </p:cNvSpPr>
+          <p:nvPr>
+            <p:ph type="title"/>
+          </p:nvPr>
+        </p:nvSpPr>
+        <p:spPr>
+          <a:xfrm>
+            <a:off x="457200" y="274638"/>
+            <a:ext cx="8229600" cy="706090"/>
+          </a:xfrm>
+        </p:spPr>
+        <p:txBody>
+          <a:bodyPr>
+            <a:normAutofit/>
+          </a:bodyPr>
+          <a:lstStyle/>
+          <a:p>
+            <a:pPr algn="l"/>
+            <a:r>
+              <a:rPr lang="zh-CN" altLang="en-US" sz="3200" dirty="0">
+                <a:solidFill>
+                  <a:schemeClr val="bg1"/>
+                </a:solidFill>
+              </a:rPr>
+              <a:t>三</a:t>
+            </a:r>
+            <a:r>
+              <a:rPr lang="zh-CN" altLang="en-US" sz="3200" dirty="0" smtClean="0">
+                <a:solidFill>
+                  <a:schemeClr val="bg1"/>
+                </a:solidFill>
+              </a:rPr>
+              <a:t>、表达式</a:t>
+            </a:r>
+            <a:endParaRPr lang="zh-CN" altLang="en-US" sz="3200" dirty="0">
+              <a:solidFill>
+                <a:schemeClr val="bg1"/>
+              </a:solidFill>
+            </a:endParaRPr>
+          </a:p>
+        </p:txBody>
+      </p:sp>
+      <p:sp>
+        <p:nvSpPr>
+          <p:cNvPr id="3" name="内容占位符 2"/>
+          <p:cNvSpPr>
+            <a:spLocks noGrp="1"/>
+          </p:cNvSpPr>
+          <p:nvPr>
+            <p:ph idx="1"/>
+          </p:nvPr>
+        </p:nvSpPr>
+        <p:spPr>
+          <a:xfrm>
+            <a:off x="457200" y="1412776"/>
+            <a:ext cx="8229600" cy="4713387"/>
+          </a:xfrm>
+        </p:spPr>
+        <p:txBody>
+          <a:bodyPr/>
+          <a:lstStyle/>
+          <a:p>
+            <a:pPr marL="0" indent="0">
+              <a:buNone/>
+            </a:pPr>
+            <a:r>
+              <a:rPr lang="en-US" altLang="zh-CN" dirty="0" smtClean="0"/>
+              <a:t>	</a:t>
+            </a:r>
+            <a:r>
+              <a:rPr lang="en-US" altLang="zh-CN" sz="2400" dirty="0" err="1">
+                <a:solidFill>
+                  <a:schemeClr val="bg1"/>
+                </a:solidFill>
+              </a:rPr>
+              <a:t>AngularJS</a:t>
+            </a:r>
+            <a:r>
+              <a:rPr lang="en-US" altLang="zh-CN" sz="2400" dirty="0">
+                <a:solidFill>
+                  <a:schemeClr val="bg1"/>
+                </a:solidFill>
+              </a:rPr>
+              <a:t> </a:t>
+            </a:r>
+            <a:r>
+              <a:rPr lang="zh-CN" altLang="en-US" sz="2400" dirty="0">
+                <a:solidFill>
+                  <a:schemeClr val="bg1"/>
+                </a:solidFill>
+              </a:rPr>
+              <a:t>表达式写在双大括号内：</a:t>
+            </a:r>
+            <a:r>
+              <a:rPr lang="en-US" altLang="zh-CN" sz="2400" b="1" dirty="0">
+                <a:solidFill>
+                  <a:schemeClr val="bg1"/>
+                </a:solidFill>
+              </a:rPr>
+              <a:t>{{ expression }}</a:t>
+            </a:r>
+            <a:r>
+              <a:rPr lang="zh-CN" altLang="en-US" sz="2400" dirty="0">
+                <a:solidFill>
+                  <a:schemeClr val="bg1"/>
+                </a:solidFill>
+              </a:rPr>
+              <a:t>。</a:t>
+            </a:r>
+          </a:p>
+          <a:p>
+            <a:pPr marL="0" indent="0">
+              <a:buNone/>
+            </a:pPr>
+            <a:r>
+              <a:rPr lang="en-US" altLang="zh-CN" sz="2400" dirty="0" err="1">
+                <a:solidFill>
+                  <a:schemeClr val="bg1"/>
+                </a:solidFill>
+              </a:rPr>
+              <a:t>AngularJS</a:t>
+            </a:r>
+            <a:r>
+              <a:rPr lang="en-US" altLang="zh-CN" sz="2400" dirty="0">
+                <a:solidFill>
+                  <a:schemeClr val="bg1"/>
+                </a:solidFill>
+              </a:rPr>
+              <a:t> </a:t>
+            </a:r>
+            <a:r>
+              <a:rPr lang="zh-CN" altLang="en-US" sz="2400" dirty="0">
+                <a:solidFill>
+                  <a:schemeClr val="bg1"/>
+                </a:solidFill>
+              </a:rPr>
+              <a:t>表达式把数据绑定到 </a:t>
+            </a:r>
+            <a:r>
+              <a:rPr lang="en-US" altLang="zh-CN" sz="2400" dirty="0">
+                <a:solidFill>
+                  <a:schemeClr val="bg1"/>
+                </a:solidFill>
+              </a:rPr>
+              <a:t>HTML</a:t>
+            </a:r>
+            <a:r>
+              <a:rPr lang="zh-CN" altLang="en-US" sz="2400" dirty="0">
+                <a:solidFill>
+                  <a:schemeClr val="bg1"/>
+                </a:solidFill>
+              </a:rPr>
+              <a:t>，这与 </a:t>
+            </a:r>
+            <a:r>
+              <a:rPr lang="en-US" altLang="zh-CN" sz="2400" b="1" dirty="0" err="1">
+                <a:solidFill>
+                  <a:schemeClr val="bg1"/>
+                </a:solidFill>
+              </a:rPr>
+              <a:t>ng</a:t>
+            </a:r>
+            <a:r>
+              <a:rPr lang="en-US" altLang="zh-CN" sz="2400" b="1" dirty="0">
+                <a:solidFill>
+                  <a:schemeClr val="bg1"/>
+                </a:solidFill>
+              </a:rPr>
+              <a:t>-bind</a:t>
+            </a:r>
+            <a:r>
+              <a:rPr lang="en-US" altLang="zh-CN" sz="2400" dirty="0">
+                <a:solidFill>
+                  <a:schemeClr val="bg1"/>
+                </a:solidFill>
+              </a:rPr>
+              <a:t> </a:t>
+            </a:r>
+            <a:r>
+              <a:rPr lang="zh-CN" altLang="en-US" sz="2400" dirty="0">
+                <a:solidFill>
+                  <a:schemeClr val="bg1"/>
+                </a:solidFill>
+              </a:rPr>
+              <a:t>指令有异曲同工之妙。</a:t>
+            </a:r>
+          </a:p>
+          <a:p>
+            <a:pPr marL="0" indent="0">
+              <a:buNone/>
+            </a:pPr>
+            <a:r>
+              <a:rPr lang="en-US" altLang="zh-CN" sz="2400" dirty="0" err="1">
+                <a:solidFill>
+                  <a:schemeClr val="bg1"/>
+                </a:solidFill>
+              </a:rPr>
+              <a:t>AngularJS</a:t>
+            </a:r>
+            <a:r>
+              <a:rPr lang="en-US" altLang="zh-CN" sz="2400" dirty="0">
+                <a:solidFill>
+                  <a:schemeClr val="bg1"/>
+                </a:solidFill>
+              </a:rPr>
+              <a:t> </a:t>
+            </a:r>
+            <a:r>
+              <a:rPr lang="zh-CN" altLang="en-US" sz="2400" dirty="0">
+                <a:solidFill>
+                  <a:schemeClr val="bg1"/>
+                </a:solidFill>
+              </a:rPr>
+              <a:t>将在表达式书写的位置</a:t>
+            </a:r>
+            <a:r>
+              <a:rPr lang="en-US" altLang="zh-CN" sz="2400" dirty="0">
+                <a:solidFill>
+                  <a:schemeClr val="bg1"/>
+                </a:solidFill>
+              </a:rPr>
+              <a:t>"</a:t>
+            </a:r>
+            <a:r>
+              <a:rPr lang="zh-CN" altLang="en-US" sz="2400" dirty="0">
+                <a:solidFill>
+                  <a:schemeClr val="bg1"/>
+                </a:solidFill>
+              </a:rPr>
+              <a:t>输出</a:t>
+            </a:r>
+            <a:r>
+              <a:rPr lang="en-US" altLang="zh-CN" sz="2400" dirty="0">
+                <a:solidFill>
+                  <a:schemeClr val="bg1"/>
+                </a:solidFill>
+              </a:rPr>
+              <a:t>"</a:t>
+            </a:r>
+            <a:r>
+              <a:rPr lang="zh-CN" altLang="en-US" sz="2400" dirty="0">
+                <a:solidFill>
+                  <a:schemeClr val="bg1"/>
+                </a:solidFill>
+              </a:rPr>
+              <a:t>数据。</a:t>
+            </a:r>
+          </a:p>
+          <a:p>
+            <a:pPr marL="0" indent="0">
+              <a:buNone/>
+            </a:pPr>
+            <a:r>
+              <a:rPr lang="en-US" altLang="zh-CN" sz="2400" b="1" dirty="0" err="1">
+                <a:solidFill>
+                  <a:schemeClr val="bg1"/>
+                </a:solidFill>
+              </a:rPr>
+              <a:t>AngularJS</a:t>
+            </a:r>
+            <a:r>
+              <a:rPr lang="en-US" altLang="zh-CN" sz="2400" b="1" dirty="0">
+                <a:solidFill>
+                  <a:schemeClr val="bg1"/>
+                </a:solidFill>
+              </a:rPr>
+              <a:t> </a:t>
+            </a:r>
+            <a:r>
+              <a:rPr lang="zh-CN" altLang="en-US" sz="2400" b="1" dirty="0">
+                <a:solidFill>
+                  <a:schemeClr val="bg1"/>
+                </a:solidFill>
+              </a:rPr>
+              <a:t>表达式</a:t>
+            </a:r>
+            <a:r>
+              <a:rPr lang="zh-CN" altLang="en-US" sz="2400" dirty="0">
+                <a:solidFill>
+                  <a:schemeClr val="bg1"/>
+                </a:solidFill>
+              </a:rPr>
+              <a:t> 很像 </a:t>
+            </a:r>
+            <a:r>
+              <a:rPr lang="en-US" altLang="zh-CN" sz="2400" b="1" dirty="0">
+                <a:solidFill>
+                  <a:schemeClr val="bg1"/>
+                </a:solidFill>
+              </a:rPr>
+              <a:t>JavaScript </a:t>
+            </a:r>
+            <a:r>
+              <a:rPr lang="zh-CN" altLang="en-US" sz="2400" b="1" dirty="0">
+                <a:solidFill>
+                  <a:schemeClr val="bg1"/>
+                </a:solidFill>
+              </a:rPr>
+              <a:t>表达式</a:t>
+            </a:r>
+            <a:r>
+              <a:rPr lang="zh-CN" altLang="en-US" sz="2400" dirty="0">
+                <a:solidFill>
+                  <a:schemeClr val="bg1"/>
+                </a:solidFill>
+              </a:rPr>
+              <a:t>：它们可以包含文字、运算符和变量。</a:t>
+            </a:r>
+          </a:p>
+          <a:p>
+            <a:pPr marL="0" indent="0">
+              <a:buNone/>
+            </a:pPr>
+            <a:r>
+              <a:rPr lang="zh-CN" altLang="en-US" sz="2400" dirty="0">
+                <a:solidFill>
+                  <a:schemeClr val="bg1"/>
+                </a:solidFill>
+              </a:rPr>
+              <a:t>实例 </a:t>
+            </a:r>
+            <a:r>
+              <a:rPr lang="en-US" altLang="zh-CN" sz="2400" dirty="0">
+                <a:solidFill>
+                  <a:schemeClr val="bg1"/>
+                </a:solidFill>
+              </a:rPr>
+              <a:t>{{ 5 + 5 }} </a:t>
+            </a:r>
+            <a:r>
+              <a:rPr lang="zh-CN" altLang="en-US" sz="2400" dirty="0">
+                <a:solidFill>
+                  <a:schemeClr val="bg1"/>
+                </a:solidFill>
+              </a:rPr>
+              <a:t>或 </a:t>
+            </a:r>
+            <a:r>
+              <a:rPr lang="en-US" altLang="zh-CN" sz="2400" dirty="0">
+                <a:solidFill>
+                  <a:schemeClr val="bg1"/>
+                </a:solidFill>
+              </a:rPr>
+              <a:t>{{ </a:t>
+            </a:r>
+            <a:r>
+              <a:rPr lang="en-US" altLang="zh-CN" sz="2400" dirty="0" err="1">
+                <a:solidFill>
+                  <a:schemeClr val="bg1"/>
+                </a:solidFill>
+              </a:rPr>
+              <a:t>firstName</a:t>
+            </a:r>
+            <a:r>
+              <a:rPr lang="en-US" altLang="zh-CN" sz="2400" dirty="0">
+                <a:solidFill>
+                  <a:schemeClr val="bg1"/>
+                </a:solidFill>
+              </a:rPr>
+              <a:t> + " " + </a:t>
+            </a:r>
+            <a:r>
+              <a:rPr lang="en-US" altLang="zh-CN" sz="2400" dirty="0" err="1">
+                <a:solidFill>
+                  <a:schemeClr val="bg1"/>
+                </a:solidFill>
+              </a:rPr>
+              <a:t>lastName</a:t>
+            </a:r>
+            <a:r>
+              <a:rPr lang="en-US" altLang="zh-CN" sz="2400" dirty="0">
+                <a:solidFill>
+                  <a:schemeClr val="bg1"/>
+                </a:solidFill>
+              </a:rPr>
+              <a:t> }</a:t>
+            </a:r>
+          </a:p>
+        </p:txBody>
+      </p:sp>
+    </p:spTree>
+    <p:extLst>
+      <p:ext uri="{BB962C8B-B14F-4D97-AF65-F5344CB8AC3E}">
+        <p14:creationId xmlns:p14="http://schemas.microsoft.com/office/powerpoint/2010/main" val="701896849"/>
       </p:ext>
     </p:extLst>
   </p:cSld>
@@ -8904,16 +8912,55 @@
                   <a:schemeClr val="bg1"/>
                 </a:solidFill>
               </a:rPr>
-              <a:t>数创</a:t>
-            </a:r>
+              <a:t>数创建。</a:t>
+            </a:r>
+            <a:endParaRPr lang="en-US" altLang="zh-CN" dirty="0" smtClean="0">
+              <a:solidFill>
+                <a:schemeClr val="bg1"/>
+              </a:solidFill>
+            </a:endParaRPr>
+          </a:p>
+          <a:p>
+            <a:pPr marL="0" indent="0">
+              <a:buNone/>
+            </a:pPr>
             <a:r>
               <a:rPr lang="zh-CN" altLang="en-US" dirty="0">
                 <a:solidFill>
                   <a:schemeClr val="bg1"/>
                 </a:solidFill>
               </a:rPr>
-              <a:t>建</a:t>
-            </a:r>
+              <a:t>控制</a:t>
+            </a:r>
+            <a:r>
+              <a:rPr lang="zh-CN" altLang="en-US" dirty="0" smtClean="0">
+                <a:solidFill>
+                  <a:schemeClr val="bg1"/>
+                </a:solidFill>
+              </a:rPr>
+              <a:t>器将每个区域，变成了不同模块，</a:t>
+            </a:r>
+            <a:r>
+              <a:rPr lang="en-US" altLang="zh-CN" dirty="0" smtClean="0">
+                <a:solidFill>
+                  <a:schemeClr val="bg1"/>
+                </a:solidFill>
+              </a:rPr>
+              <a:t>$scope</a:t>
+            </a:r>
+            <a:r>
+              <a:rPr lang="zh-CN" altLang="en-US" smtClean="0">
+                <a:solidFill>
+                  <a:schemeClr val="bg1"/>
+                </a:solidFill>
+              </a:rPr>
+              <a:t>作用域只作用于当前控制器。</a:t>
+            </a:r>
+            <a:endParaRPr lang="zh-CN" altLang="en-US" dirty="0">
+              <a:solidFill>
+                <a:schemeClr val="bg1"/>
+              </a:solidFill>
+            </a:endParaRPr>
           </a:p>
           <a:p>
             <a:pPr marL="0" indent="0">

--- a/AngularJS.pptx
+++ b/AngularJS.pptx
@@ -9,8 +9,8 @@
     <p:sldId id="257" r:id="rId3"/>
     <p:sldId id="260" r:id="rId4"/>
     <p:sldId id="263" r:id="rId5"/>
-    <p:sldId id="261" r:id="rId6"/>
-    <p:sldId id="259" r:id="rId7"/>
+    <p:sldId id="259" r:id="rId6"/>
+    <p:sldId id="261" r:id="rId7"/>
     <p:sldId id="264" r:id="rId8"/>
     <p:sldId id="262" r:id="rId9"/>
     <p:sldId id="265" r:id="rId10"/>
@@ -3143,6 +3143,13 @@
   <p:clrMapOvr>
     <a:masterClrMapping/>
   </p:clrMapOvr>
+  <p:timing>
+    <p:tnLst>
+      <p:par>
+        <p:cTn id="1" dur="indefinite" restart="never" nodeType="tmRoot"/>
+      </p:par>
+    </p:tnLst>
+  </p:timing>
 </p:sld>
 </file>
 
@@ -6649,6 +6656,13 @@
   <p:clrMapOvr>
     <a:masterClrMapping/>
   </p:clrMapOvr>
+  <p:timing>
+    <p:tnLst>
+      <p:par>
+        <p:cTn id="1" dur="indefinite" restart="never" nodeType="tmRoot"/>
+      </p:par>
+    </p:tnLst>
+  </p:timing>
 </p:sld>
 </file>
 
@@ -7077,6 +7091,13 @@
   <p:clrMapOvr>
     <a:masterClrMapping/>
   </p:clrMapOvr>
+  <p:timing>
+    <p:tnLst>
+      <p:par>
+        <p:cTn id="1" dur="indefinite" restart="never" nodeType="tmRoot"/>
+      </p:par>
+    </p:tnLst>
+  </p:timing>
 </p:sld>
 </file>
 
@@ -7137,10 +7158,423 @@
   <p:clrMapOvr>
     <a:masterClrMapping/>
   </p:clrMapOvr>
+  <p:timing>
+    <p:tnLst>
+      <p:par>
+        <p:cTn id="1" dur="indefinite" restart="never" nodeType="tmRoot"/>
+      </p:par>
+    </p:tnLst>
+  </p:timing>
 </p:sld>
 </file>
 
 <file path=ppt/slides/slide5.xml><?xml version="1.0" encoding="utf-8"?>
+<p:sld xmlns:a="http://schemas.openxmlformats.org/drawingml/2006/main" xmlns:r="http://schemas.openxmlformats.org/officeDocument/2006/relationships" xmlns:p="http://schemas.openxmlformats.org/presentationml/2006/main">
+  <p:cSld>
+    <p:spTree>
+      <p:nvGrpSpPr>
+        <p:cNvPr id="1" name=""/>
+        <p:cNvGrpSpPr/>
+        <p:nvPr/>
+      </p:nvGrpSpPr>
+      <p:grpSpPr>
+        <a:xfrm>
+          <a:off x="0" y="0"/>
+          <a:ext cx="0" cy="0"/>
+          <a:chOff x="0" y="0"/>
+          <a:chExt cx="0" cy="0"/>
+        </a:xfrm>
+      </p:grpSpPr>
+      <p:sp>
+        <p:nvSpPr>
+          <p:cNvPr id="2" name="标题 1"/>
+          <p:cNvSpPr>
+            <a:spLocks noGrp="1"/>
+          </p:cNvSpPr>
+          <p:nvPr>
+            <p:ph type="title"/>
+          </p:nvPr>
+        </p:nvSpPr>
+        <p:spPr>
+          <a:xfrm>
+            <a:off x="457200" y="274638"/>
+            <a:ext cx="8229600" cy="706090"/>
+          </a:xfrm>
+        </p:spPr>
+        <p:txBody>
+          <a:bodyPr>
+            <a:normAutofit/>
+          </a:bodyPr>
+          <a:lstStyle/>
+          <a:p>
+            <a:pPr algn="l"/>
+            <a:r>
+              <a:rPr lang="zh-CN" altLang="en-US" sz="3200" dirty="0">
+                <a:solidFill>
+                  <a:schemeClr val="bg1"/>
+                </a:solidFill>
+              </a:rPr>
+              <a:t>三</a:t>
+            </a:r>
+            <a:r>
+              <a:rPr lang="zh-CN" altLang="en-US" sz="3200" dirty="0" smtClean="0">
+                <a:solidFill>
+                  <a:schemeClr val="bg1"/>
+                </a:solidFill>
+              </a:rPr>
+              <a:t>、表达式</a:t>
+            </a:r>
+            <a:endParaRPr lang="zh-CN" altLang="en-US" sz="3200" dirty="0">
+              <a:solidFill>
+                <a:schemeClr val="bg1"/>
+              </a:solidFill>
+            </a:endParaRPr>
+          </a:p>
+        </p:txBody>
+      </p:sp>
+      <p:sp>
+        <p:nvSpPr>
+          <p:cNvPr id="3" name="内容占位符 2"/>
+          <p:cNvSpPr>
+            <a:spLocks noGrp="1"/>
+          </p:cNvSpPr>
+          <p:nvPr>
+            <p:ph idx="1"/>
+          </p:nvPr>
+        </p:nvSpPr>
+        <p:spPr>
+          <a:xfrm>
+            <a:off x="457200" y="1412776"/>
+            <a:ext cx="8229600" cy="4713387"/>
+          </a:xfrm>
+        </p:spPr>
+        <p:txBody>
+          <a:bodyPr/>
+          <a:lstStyle/>
+          <a:p>
+            <a:pPr marL="0" indent="0">
+              <a:buNone/>
+            </a:pPr>
+            <a:r>
+              <a:rPr lang="en-US" altLang="zh-CN" dirty="0" smtClean="0"/>
+              <a:t>	</a:t>
+            </a:r>
+            <a:r>
+              <a:rPr lang="en-US" altLang="zh-CN" sz="2400" dirty="0" err="1">
+                <a:solidFill>
+                  <a:schemeClr val="bg1"/>
+                </a:solidFill>
+              </a:rPr>
+              <a:t>AngularJS</a:t>
+            </a:r>
+            <a:r>
+              <a:rPr lang="en-US" altLang="zh-CN" sz="2400" dirty="0">
+                <a:solidFill>
+                  <a:schemeClr val="bg1"/>
+                </a:solidFill>
+              </a:rPr>
+              <a:t> </a:t>
+            </a:r>
+            <a:r>
+              <a:rPr lang="zh-CN" altLang="en-US" sz="2400" dirty="0">
+                <a:solidFill>
+                  <a:schemeClr val="bg1"/>
+                </a:solidFill>
+              </a:rPr>
+              <a:t>表达式写在双大括号内：</a:t>
+            </a:r>
+            <a:r>
+              <a:rPr lang="en-US" altLang="zh-CN" sz="2400" b="1" dirty="0">
+                <a:solidFill>
+                  <a:schemeClr val="bg1"/>
+                </a:solidFill>
+              </a:rPr>
+              <a:t>{{ expression }}</a:t>
+            </a:r>
+            <a:r>
+              <a:rPr lang="zh-CN" altLang="en-US" sz="2400" dirty="0">
+                <a:solidFill>
+                  <a:schemeClr val="bg1"/>
+                </a:solidFill>
+              </a:rPr>
+              <a:t>。</a:t>
+            </a:r>
+          </a:p>
+          <a:p>
+            <a:pPr marL="0" indent="0">
+              <a:buNone/>
+            </a:pPr>
+            <a:r>
+              <a:rPr lang="en-US" altLang="zh-CN" sz="2400" dirty="0" err="1">
+                <a:solidFill>
+                  <a:schemeClr val="bg1"/>
+                </a:solidFill>
+              </a:rPr>
+              <a:t>AngularJS</a:t>
+            </a:r>
+            <a:r>
+              <a:rPr lang="en-US" altLang="zh-CN" sz="2400" dirty="0">
+                <a:solidFill>
+                  <a:schemeClr val="bg1"/>
+                </a:solidFill>
+              </a:rPr>
+              <a:t> </a:t>
+            </a:r>
+            <a:r>
+              <a:rPr lang="zh-CN" altLang="en-US" sz="2400" dirty="0">
+                <a:solidFill>
+                  <a:schemeClr val="bg1"/>
+                </a:solidFill>
+              </a:rPr>
+              <a:t>表达式把数据绑定到 </a:t>
+            </a:r>
+            <a:r>
+              <a:rPr lang="en-US" altLang="zh-CN" sz="2400" dirty="0">
+                <a:solidFill>
+                  <a:schemeClr val="bg1"/>
+                </a:solidFill>
+              </a:rPr>
+              <a:t>HTML</a:t>
+            </a:r>
+            <a:r>
+              <a:rPr lang="zh-CN" altLang="en-US" sz="2400" dirty="0">
+                <a:solidFill>
+                  <a:schemeClr val="bg1"/>
+                </a:solidFill>
+              </a:rPr>
+              <a:t>，这与 </a:t>
+            </a:r>
+            <a:r>
+              <a:rPr lang="en-US" altLang="zh-CN" sz="2400" b="1" dirty="0" err="1">
+                <a:solidFill>
+                  <a:schemeClr val="bg1"/>
+                </a:solidFill>
+              </a:rPr>
+              <a:t>ng</a:t>
+            </a:r>
+            <a:r>
+              <a:rPr lang="en-US" altLang="zh-CN" sz="2400" b="1" dirty="0">
+                <a:solidFill>
+                  <a:schemeClr val="bg1"/>
+                </a:solidFill>
+              </a:rPr>
+              <a:t>-bind</a:t>
+            </a:r>
+            <a:r>
+              <a:rPr lang="en-US" altLang="zh-CN" sz="2400" dirty="0">
+                <a:solidFill>
+                  <a:schemeClr val="bg1"/>
+                </a:solidFill>
+              </a:rPr>
+              <a:t> </a:t>
+            </a:r>
+            <a:r>
+              <a:rPr lang="zh-CN" altLang="en-US" sz="2400" dirty="0">
+                <a:solidFill>
+                  <a:schemeClr val="bg1"/>
+                </a:solidFill>
+              </a:rPr>
+              <a:t>指令有异曲同工之妙。</a:t>
+            </a:r>
+          </a:p>
+          <a:p>
+            <a:pPr marL="0" indent="0">
+              <a:buNone/>
+            </a:pPr>
+            <a:r>
+              <a:rPr lang="en-US" altLang="zh-CN" sz="2400" dirty="0" err="1">
+                <a:solidFill>
+                  <a:schemeClr val="bg1"/>
+                </a:solidFill>
+              </a:rPr>
+              <a:t>AngularJS</a:t>
+            </a:r>
+            <a:r>
+              <a:rPr lang="en-US" altLang="zh-CN" sz="2400" dirty="0">
+                <a:solidFill>
+                  <a:schemeClr val="bg1"/>
+                </a:solidFill>
+              </a:rPr>
+              <a:t> </a:t>
+            </a:r>
+            <a:r>
+              <a:rPr lang="zh-CN" altLang="en-US" sz="2400" dirty="0">
+                <a:solidFill>
+                  <a:schemeClr val="bg1"/>
+                </a:solidFill>
+              </a:rPr>
+              <a:t>将在表达式书写的位置</a:t>
+            </a:r>
+            <a:r>
+              <a:rPr lang="en-US" altLang="zh-CN" sz="2400" dirty="0">
+                <a:solidFill>
+                  <a:schemeClr val="bg1"/>
+                </a:solidFill>
+              </a:rPr>
+              <a:t>"</a:t>
+            </a:r>
+            <a:r>
+              <a:rPr lang="zh-CN" altLang="en-US" sz="2400" dirty="0">
+                <a:solidFill>
+                  <a:schemeClr val="bg1"/>
+                </a:solidFill>
+              </a:rPr>
+              <a:t>输出</a:t>
+            </a:r>
+            <a:r>
+              <a:rPr lang="en-US" altLang="zh-CN" sz="2400" dirty="0">
+                <a:solidFill>
+                  <a:schemeClr val="bg1"/>
+                </a:solidFill>
+              </a:rPr>
+              <a:t>"</a:t>
+            </a:r>
+            <a:r>
+              <a:rPr lang="zh-CN" altLang="en-US" sz="2400" dirty="0">
+                <a:solidFill>
+                  <a:schemeClr val="bg1"/>
+                </a:solidFill>
+              </a:rPr>
+              <a:t>数据。</a:t>
+            </a:r>
+          </a:p>
+          <a:p>
+            <a:pPr marL="0" indent="0">
+              <a:buNone/>
+            </a:pPr>
+            <a:r>
+              <a:rPr lang="en-US" altLang="zh-CN" sz="2400" dirty="0" err="1">
+                <a:solidFill>
+                  <a:schemeClr val="bg1"/>
+                </a:solidFill>
+              </a:rPr>
+              <a:t>AngularJS</a:t>
+            </a:r>
+            <a:r>
+              <a:rPr lang="en-US" altLang="zh-CN" sz="2400" dirty="0">
+                <a:solidFill>
+                  <a:schemeClr val="bg1"/>
+                </a:solidFill>
+              </a:rPr>
+              <a:t> </a:t>
+            </a:r>
+            <a:r>
+              <a:rPr lang="zh-CN" altLang="en-US" sz="2400" dirty="0">
+                <a:solidFill>
+                  <a:schemeClr val="bg1"/>
+                </a:solidFill>
+              </a:rPr>
+              <a:t>表达式 很像 </a:t>
+            </a:r>
+            <a:r>
+              <a:rPr lang="en-US" altLang="zh-CN" sz="2400" dirty="0">
+                <a:solidFill>
+                  <a:schemeClr val="bg1"/>
+                </a:solidFill>
+              </a:rPr>
+              <a:t>JavaScript </a:t>
+            </a:r>
+            <a:r>
+              <a:rPr lang="zh-CN" altLang="en-US" sz="2400" dirty="0">
+                <a:solidFill>
+                  <a:schemeClr val="bg1"/>
+                </a:solidFill>
+              </a:rPr>
+              <a:t>表达式：它们可以包含文字、运算符和变量。</a:t>
+            </a:r>
+          </a:p>
+          <a:p>
+            <a:pPr marL="0" indent="0">
+              <a:buNone/>
+            </a:pPr>
+            <a:r>
+              <a:rPr lang="zh-CN" altLang="en-US" sz="2400" dirty="0">
+                <a:solidFill>
+                  <a:schemeClr val="bg1"/>
+                </a:solidFill>
+              </a:rPr>
+              <a:t>实例 </a:t>
+            </a:r>
+            <a:r>
+              <a:rPr lang="en-US" altLang="zh-CN" sz="2400" dirty="0">
+                <a:solidFill>
+                  <a:schemeClr val="bg1"/>
+                </a:solidFill>
+              </a:rPr>
+              <a:t>{{ 5 + 5 }} </a:t>
+            </a:r>
+            <a:r>
+              <a:rPr lang="zh-CN" altLang="en-US" sz="2400" dirty="0">
+                <a:solidFill>
+                  <a:schemeClr val="bg1"/>
+                </a:solidFill>
+              </a:rPr>
+              <a:t>或 </a:t>
+            </a:r>
+            <a:r>
+              <a:rPr lang="en-US" altLang="zh-CN" sz="2400" dirty="0">
+                <a:solidFill>
+                  <a:schemeClr val="bg1"/>
+                </a:solidFill>
+              </a:rPr>
+              <a:t>{{ </a:t>
+            </a:r>
+            <a:r>
+              <a:rPr lang="en-US" altLang="zh-CN" sz="2400" dirty="0" err="1">
+                <a:solidFill>
+                  <a:schemeClr val="bg1"/>
+                </a:solidFill>
+              </a:rPr>
+              <a:t>firstName</a:t>
+            </a:r>
+            <a:r>
+              <a:rPr lang="en-US" altLang="zh-CN" sz="2400" dirty="0">
+                <a:solidFill>
+                  <a:schemeClr val="bg1"/>
+                </a:solidFill>
+              </a:rPr>
+              <a:t> + " " + </a:t>
+            </a:r>
+            <a:r>
+              <a:rPr lang="en-US" altLang="zh-CN" sz="2400" dirty="0" err="1">
+                <a:solidFill>
+                  <a:schemeClr val="bg1"/>
+                </a:solidFill>
+              </a:rPr>
+              <a:t>lastName</a:t>
+            </a:r>
+            <a:r>
+              <a:rPr lang="en-US" altLang="zh-CN" sz="2400" dirty="0">
+                <a:solidFill>
+                  <a:schemeClr val="bg1"/>
+                </a:solidFill>
+              </a:rPr>
+              <a:t> }</a:t>
+            </a:r>
+          </a:p>
+        </p:txBody>
+      </p:sp>
+    </p:spTree>
+    <p:extLst>
+      <p:ext uri="{BB962C8B-B14F-4D97-AF65-F5344CB8AC3E}">
+        <p14:creationId xmlns:p14="http://schemas.microsoft.com/office/powerpoint/2010/main" val="701896849"/>
+      </p:ext>
+    </p:extLst>
+  </p:cSld>
+  <p:clrMapOvr>
+    <a:masterClrMapping/>
+  </p:clrMapOvr>
+  <p:timing>
+    <p:tnLst>
+      <p:par>
+        <p:cTn id="1" dur="indefinite" restart="never" nodeType="tmRoot"/>
+      </p:par>
+    </p:tnLst>
+  </p:timing>
+</p:sld>
+</file>
+
+<file path=ppt/slides/slide6.xml><?xml version="1.0" encoding="utf-8"?>
 <p:sld xmlns:a="http://schemas.openxmlformats.org/drawingml/2006/main" xmlns:r="http://schemas.openxmlformats.org/officeDocument/2006/relationships" xmlns:p="http://schemas.openxmlformats.org/presentationml/2006/main">
   <p:cSld>
     <p:spTree>
@@ -7633,421 +8067,6 @@
     <p:extLst>
       <p:ext uri="{BB962C8B-B14F-4D97-AF65-F5344CB8AC3E}">
         <p14:creationId xmlns:p14="http://schemas.microsoft.com/office/powerpoint/2010/main" val="4129380110"/>
-      </p:ext>
-    </p:extLst>
-  </p:cSld>
-  <p:clrMapOvr>
-    <a:masterClrMapping/>
-  </p:clrMapOvr>
-</p:sld>
-</file>
-
-<file path=ppt/slides/slide6.xml><?xml version="1.0" encoding="utf-8"?>
-<p:sld xmlns:a="http://schemas.openxmlformats.org/drawingml/2006/main" xmlns:r="http://schemas.openxmlformats.org/officeDocument/2006/relationships" xmlns:p="http://schemas.openxmlformats.org/presentationml/2006/main">
-  <p:cSld>
-    <p:spTree>
-      <p:nvGrpSpPr>
-        <p:cNvPr id="1" name=""/>
-        <p:cNvGrpSpPr/>
-        <p:nvPr/>
-      </p:nvGrpSpPr>
-      <p:grpSpPr>
-        <a:xfrm>
-          <a:off x="0" y="0"/>
-          <a:ext cx="0" cy="0"/>
-          <a:chOff x="0" y="0"/>
-          <a:chExt cx="0" cy="0"/>
-        </a:xfrm>
-      </p:grpSpPr>
-      <p:sp>
-        <p:nvSpPr>
-          <p:cNvPr id="2" name="标题 1"/>
-          <p:cNvSpPr>
-            <a:spLocks noGrp="1"/>
-          </p:cNvSpPr>
-          <p:nvPr>
-            <p:ph type="title"/>
-          </p:nvPr>
-        </p:nvSpPr>
-        <p:spPr>
-          <a:xfrm>
-            <a:off x="457200" y="274638"/>
-            <a:ext cx="8229600" cy="706090"/>
-          </a:xfrm>
-        </p:spPr>
-        <p:txBody>
-          <a:bodyPr>
-            <a:normAutofit/>
-          </a:bodyPr>
-          <a:lstStyle/>
-          <a:p>
-            <a:pPr algn="l"/>
-            <a:r>
-              <a:rPr lang="zh-CN" altLang="en-US" sz="3200" dirty="0">
-                <a:solidFill>
-                  <a:schemeClr val="bg1"/>
-                </a:solidFill>
-              </a:rPr>
-              <a:t>三</a:t>
-            </a:r>
-            <a:r>
-              <a:rPr lang="zh-CN" altLang="en-US" sz="3200" dirty="0" smtClean="0">
-                <a:solidFill>
-                  <a:schemeClr val="bg1"/>
-                </a:solidFill>
-              </a:rPr>
-              <a:t>、表达式</a:t>
-            </a:r>
-            <a:endParaRPr lang="zh-CN" altLang="en-US" sz="3200" dirty="0">
-              <a:solidFill>
-                <a:schemeClr val="bg1"/>
-              </a:solidFill>
-            </a:endParaRPr>
-          </a:p>
-        </p:txBody>
-      </p:sp>
-      <p:sp>
-        <p:nvSpPr>
-          <p:cNvPr id="3" name="内容占位符 2"/>
-          <p:cNvSpPr>
-            <a:spLocks noGrp="1"/>
-          </p:cNvSpPr>
-          <p:nvPr>
-            <p:ph idx="1"/>
-          </p:nvPr>
-        </p:nvSpPr>
-        <p:spPr>
-          <a:xfrm>
-            <a:off x="457200" y="1412776"/>
-            <a:ext cx="8229600" cy="4713387"/>
-          </a:xfrm>
-        </p:spPr>
-        <p:txBody>
-          <a:bodyPr/>
-          <a:lstStyle/>
-          <a:p>
-            <a:pPr marL="0" indent="0">
-              <a:buNone/>
-            </a:pPr>
-            <a:r>
-              <a:rPr lang="en-US" altLang="zh-CN" dirty="0" smtClean="0"/>
-              <a:t>	</a:t>
-            </a:r>
-            <a:r>
-              <a:rPr lang="en-US" altLang="zh-CN" sz="2400" dirty="0" err="1">
-                <a:solidFill>
-                  <a:schemeClr val="bg1"/>
-                </a:solidFill>
-              </a:rPr>
-              <a:t>AngularJS</a:t>
-            </a:r>
-            <a:r>
-              <a:rPr lang="en-US" altLang="zh-CN" sz="2400" dirty="0">
-                <a:solidFill>
-                  <a:schemeClr val="bg1"/>
-                </a:solidFill>
-              </a:rPr>
-              <a:t> </a:t>
-            </a:r>
-            <a:r>
-              <a:rPr lang="zh-CN" altLang="en-US" sz="2400" dirty="0">
-                <a:solidFill>
-                  <a:schemeClr val="bg1"/>
-                </a:solidFill>
-              </a:rPr>
-              <a:t>表达式写在双大括号内：</a:t>
-            </a:r>
-            <a:r>
-              <a:rPr lang="en-US" altLang="zh-CN" sz="2400" b="1" dirty="0">
-                <a:solidFill>
-                  <a:schemeClr val="bg1"/>
-                </a:solidFill>
-              </a:rPr>
-              <a:t>{{ expression }}</a:t>
-            </a:r>
-            <a:r>
-              <a:rPr lang="zh-CN" altLang="en-US" sz="2400" dirty="0">
-                <a:solidFill>
-                  <a:schemeClr val="bg1"/>
-                </a:solidFill>
-              </a:rPr>
-              <a:t>。</a:t>
-            </a:r>
-          </a:p>
-          <a:p>
-            <a:pPr marL="0" indent="0">
-              <a:buNone/>
-            </a:pPr>
-            <a:r>
-              <a:rPr lang="en-US" altLang="zh-CN" sz="2400" dirty="0" err="1">
-                <a:solidFill>
-                  <a:schemeClr val="bg1"/>
-                </a:solidFill>
-              </a:rPr>
-              <a:t>AngularJS</a:t>
-            </a:r>
-            <a:r>
-              <a:rPr lang="en-US" altLang="zh-CN" sz="2400" dirty="0">
-                <a:solidFill>
-                  <a:schemeClr val="bg1"/>
-                </a:solidFill>
-              </a:rPr>
-              <a:t> </a:t>
-            </a:r>
-            <a:r>
-              <a:rPr lang="zh-CN" altLang="en-US" sz="2400" dirty="0">
-                <a:solidFill>
-                  <a:schemeClr val="bg1"/>
-                </a:solidFill>
-              </a:rPr>
-              <a:t>表达式把数据绑定到 </a:t>
-            </a:r>
-            <a:r>
-              <a:rPr lang="en-US" altLang="zh-CN" sz="2400" dirty="0">
-                <a:solidFill>
-                  <a:schemeClr val="bg1"/>
-                </a:solidFill>
-              </a:rPr>
-              <a:t>HTML</a:t>
-            </a:r>
-            <a:r>
-              <a:rPr lang="zh-CN" altLang="en-US" sz="2400" dirty="0">
-                <a:solidFill>
-                  <a:schemeClr val="bg1"/>
-                </a:solidFill>
-              </a:rPr>
-              <a:t>，这与 </a:t>
-            </a:r>
-            <a:r>
-              <a:rPr lang="en-US" altLang="zh-CN" sz="2400" b="1" dirty="0" err="1">
-                <a:solidFill>
-                  <a:schemeClr val="bg1"/>
-                </a:solidFill>
-              </a:rPr>
-              <a:t>ng</a:t>
-            </a:r>
-            <a:r>
-              <a:rPr lang="en-US" altLang="zh-CN" sz="2400" b="1" dirty="0">
-                <a:solidFill>
-                  <a:schemeClr val="bg1"/>
-                </a:solidFill>
-              </a:rPr>
-              <a:t>-bind</a:t>
-            </a:r>
-            <a:r>
-              <a:rPr lang="en-US" altLang="zh-CN" sz="2400" dirty="0">
-                <a:solidFill>
-                  <a:schemeClr val="bg1"/>
-                </a:solidFill>
-              </a:rPr>
-              <a:t> </a:t>
-            </a:r>
-            <a:r>
-              <a:rPr lang="zh-CN" altLang="en-US" sz="2400" dirty="0">
-                <a:solidFill>
-                  <a:schemeClr val="bg1"/>
-                </a:solidFill>
-              </a:rPr>
-              <a:t>指令有异曲同工之妙。</a:t>
-            </a:r>
-          </a:p>
-          <a:p>
-            <a:pPr marL="0" indent="0">
-              <a:buNone/>
-            </a:pPr>
-            <a:r>
-              <a:rPr lang="en-US" altLang="zh-CN" sz="2400" dirty="0" err="1">
-                <a:solidFill>
-                  <a:schemeClr val="bg1"/>
-                </a:solidFill>
-              </a:rPr>
-              <a:t>AngularJS</a:t>
-            </a:r>
-            <a:r>
-              <a:rPr lang="en-US" altLang="zh-CN" sz="2400" dirty="0">
-                <a:solidFill>
-                  <a:schemeClr val="bg1"/>
-                </a:solidFill>
-              </a:rPr>
-              <a:t> </a:t>
-            </a:r>
-            <a:r>
-              <a:rPr lang="zh-CN" altLang="en-US" sz="2400" dirty="0">
-                <a:solidFill>
-                  <a:schemeClr val="bg1"/>
-                </a:solidFill>
-              </a:rPr>
-              <a:t>将在表达式书写的位置</a:t>
-            </a:r>
-            <a:r>
-              <a:rPr lang="en-US" altLang="zh-CN" sz="2400" dirty="0">
-                <a:solidFill>
-                  <a:schemeClr val="bg1"/>
-                </a:solidFill>
-              </a:rPr>
-              <a:t>"</a:t>
-            </a:r>
-            <a:r>
-              <a:rPr lang="zh-CN" altLang="en-US" sz="2400" dirty="0">
-                <a:solidFill>
-                  <a:schemeClr val="bg1"/>
-                </a:solidFill>
-              </a:rPr>
-              <a:t>输出</a:t>
-            </a:r>
-            <a:r>
-              <a:rPr lang="en-US" altLang="zh-CN" sz="2400" dirty="0">
-                <a:solidFill>
-                  <a:schemeClr val="bg1"/>
-                </a:solidFill>
-              </a:rPr>
-              <a:t>"</a:t>
-            </a:r>
-            <a:r>
-              <a:rPr lang="zh-CN" altLang="en-US" sz="2400" dirty="0">
-                <a:solidFill>
-                  <a:schemeClr val="bg1"/>
-                </a:solidFill>
-              </a:rPr>
-              <a:t>数据。</a:t>
-            </a:r>
-          </a:p>
-          <a:p>
-            <a:pPr marL="0" indent="0">
-              <a:buNone/>
-            </a:pPr>
-            <a:r>
-              <a:rPr lang="en-US" altLang="zh-CN" sz="2400" b="1" dirty="0" err="1">
-                <a:solidFill>
-                  <a:schemeClr val="bg1"/>
-                </a:solidFill>
-              </a:rPr>
-              <a:t>AngularJS</a:t>
-            </a:r>
-            <a:r>
-              <a:rPr lang="en-US" altLang="zh-CN" sz="2400" b="1" dirty="0">
-                <a:solidFill>
-                  <a:schemeClr val="bg1"/>
-                </a:solidFill>
-              </a:rPr>
-              <a:t> </a:t>
-            </a:r>
-            <a:r>
-              <a:rPr lang="zh-CN" altLang="en-US" sz="2400" b="1" dirty="0">
-                <a:solidFill>
-                  <a:schemeClr val="bg1"/>
-                </a:solidFill>
-              </a:rPr>
-              <a:t>表达式</a:t>
-            </a:r>
-            <a:r>
-              <a:rPr lang="zh-CN" altLang="en-US" sz="2400" dirty="0">
-                <a:solidFill>
-                  <a:schemeClr val="bg1"/>
-                </a:solidFill>
-              </a:rPr>
-              <a:t> 很像 </a:t>
-            </a:r>
-            <a:r>
-              <a:rPr lang="en-US" altLang="zh-CN" sz="2400" b="1" dirty="0">
-                <a:solidFill>
-                  <a:schemeClr val="bg1"/>
-                </a:solidFill>
-              </a:rPr>
-              <a:t>JavaScript </a:t>
-            </a:r>
-            <a:r>
-              <a:rPr lang="zh-CN" altLang="en-US" sz="2400" b="1" dirty="0">
-                <a:solidFill>
-                  <a:schemeClr val="bg1"/>
-                </a:solidFill>
-              </a:rPr>
-              <a:t>表达式</a:t>
-            </a:r>
-            <a:r>
-              <a:rPr lang="zh-CN" altLang="en-US" sz="2400" dirty="0">
-                <a:solidFill>
-                  <a:schemeClr val="bg1"/>
-                </a:solidFill>
-              </a:rPr>
-              <a:t>：它们可以包含文字、运算符和变量。</a:t>
-            </a:r>
-          </a:p>
-          <a:p>
-            <a:pPr marL="0" indent="0">
-              <a:buNone/>
-            </a:pPr>
-            <a:r>
-              <a:rPr lang="zh-CN" altLang="en-US" sz="2400" dirty="0">
-                <a:solidFill>
-                  <a:schemeClr val="bg1"/>
-                </a:solidFill>
-              </a:rPr>
-              <a:t>实例 </a:t>
-            </a:r>
-            <a:r>
-              <a:rPr lang="en-US" altLang="zh-CN" sz="2400" dirty="0">
-                <a:solidFill>
-                  <a:schemeClr val="bg1"/>
-                </a:solidFill>
-              </a:rPr>
-              <a:t>{{ 5 + 5 }} </a:t>
-            </a:r>
-            <a:r>
-              <a:rPr lang="zh-CN" altLang="en-US" sz="2400" dirty="0">
-                <a:solidFill>
-                  <a:schemeClr val="bg1"/>
-                </a:solidFill>
-              </a:rPr>
-              <a:t>或 </a:t>
-            </a:r>
-            <a:r>
-              <a:rPr lang="en-US" altLang="zh-CN" sz="2400" dirty="0">
-                <a:solidFill>
-                  <a:schemeClr val="bg1"/>
-                </a:solidFill>
-              </a:rPr>
-              <a:t>{{ </a:t>
-            </a:r>
-            <a:r>
-              <a:rPr lang="en-US" altLang="zh-CN" sz="2400" dirty="0" err="1">
-                <a:solidFill>
-                  <a:schemeClr val="bg1"/>
-                </a:solidFill>
-              </a:rPr>
-              <a:t>firstName</a:t>
-            </a:r>
-            <a:r>
-              <a:rPr lang="en-US" altLang="zh-CN" sz="2400" dirty="0">
-                <a:solidFill>
-                  <a:schemeClr val="bg1"/>
-                </a:solidFill>
-              </a:rPr>
-              <a:t> + " " + </a:t>
-            </a:r>
-            <a:r>
-              <a:rPr lang="en-US" altLang="zh-CN" sz="2400" dirty="0" err="1">
-                <a:solidFill>
-                  <a:schemeClr val="bg1"/>
-                </a:solidFill>
-              </a:rPr>
-              <a:t>lastName</a:t>
-            </a:r>
-            <a:r>
-              <a:rPr lang="en-US" altLang="zh-CN" sz="2400" dirty="0">
-                <a:solidFill>
-                  <a:schemeClr val="bg1"/>
-                </a:solidFill>
-              </a:rPr>
-              <a:t> }</a:t>
-            </a:r>
-          </a:p>
-        </p:txBody>
-      </p:sp>
-    </p:spTree>
-    <p:extLst>
-      <p:ext uri="{BB962C8B-B14F-4D97-AF65-F5344CB8AC3E}">
-        <p14:creationId xmlns:p14="http://schemas.microsoft.com/office/powerpoint/2010/main" val="701896849"/>
       </p:ext>
     </p:extLst>
   </p:cSld>

--- a/AngularJS.pptx
+++ b/AngularJS.pptx
@@ -11,9 +11,9 @@
     <p:sldId id="263" r:id="rId5"/>
     <p:sldId id="259" r:id="rId6"/>
     <p:sldId id="261" r:id="rId7"/>
-    <p:sldId id="264" r:id="rId8"/>
-    <p:sldId id="262" r:id="rId9"/>
-    <p:sldId id="265" r:id="rId10"/>
+    <p:sldId id="262" r:id="rId8"/>
+    <p:sldId id="265" r:id="rId9"/>
+    <p:sldId id="264" r:id="rId10"/>
     <p:sldId id="267" r:id="rId11"/>
     <p:sldId id="266" r:id="rId12"/>
     <p:sldId id="268" r:id="rId13"/>
@@ -8122,7 +8122,15 @@
                   <a:schemeClr val="bg1"/>
                 </a:solidFill>
               </a:rPr>
-              <a:t>四、作用域</a:t>
+              <a:t>四、</a:t>
+            </a:r>
+            <a:r>
+              <a:rPr lang="zh-CN" altLang="en-US" sz="3200" dirty="0" smtClean="0">
+                <a:solidFill>
+                  <a:schemeClr val="bg1"/>
+                </a:solidFill>
+              </a:rPr>
+              <a:t>模型</a:t>
             </a:r>
             <a:endParaRPr lang="zh-CN" altLang="en-US" sz="3200" dirty="0">
               <a:solidFill>
@@ -8150,7 +8158,7 @@
         </p:spPr>
         <p:txBody>
           <a:bodyPr>
-            <a:normAutofit fontScale="85000" lnSpcReduction="20000"/>
+            <a:normAutofit/>
           </a:bodyPr>
           <a:lstStyle/>
           <a:p>
@@ -8158,12 +8166,20 @@
               <a:buNone/>
             </a:pPr>
             <a:r>
+              <a:rPr lang="en-US" altLang="zh-CN" dirty="0" err="1">
+                <a:solidFill>
+                  <a:schemeClr val="bg1"/>
+                </a:solidFill>
+              </a:rPr>
+              <a:t>ng</a:t>
+            </a:r>
+            <a:r>
               <a:rPr lang="en-US" altLang="zh-CN" dirty="0">
                 <a:solidFill>
                   <a:schemeClr val="bg1"/>
                 </a:solidFill>
               </a:rPr>
-              <a:t>Scope(</a:t>
+              <a:t>-model </a:t>
             </a:r>
             <a:r>
               <a:rPr lang="zh-CN" altLang="en-US" dirty="0">
@@ -8171,7 +8187,7 @@
                   <a:schemeClr val="bg1"/>
                 </a:solidFill>
               </a:rPr>
-              <a:t>作用域</a:t>
+              <a:t>指令用于绑定应用程序数据到 </a:t>
             </a:r>
             <a:r>
               <a:rPr lang="en-US" altLang="zh-CN" dirty="0">
@@ -8179,7 +8195,7 @@
                   <a:schemeClr val="bg1"/>
                 </a:solidFill>
               </a:rPr>
-              <a:t>) </a:t>
+              <a:t>HTML </a:t>
             </a:r>
             <a:r>
               <a:rPr lang="zh-CN" altLang="en-US" dirty="0">
@@ -8187,7 +8203,7 @@
                   <a:schemeClr val="bg1"/>
                 </a:solidFill>
               </a:rPr>
-              <a:t>是应用在 </a:t>
+              <a:t>控制器</a:t>
             </a:r>
             <a:r>
               <a:rPr lang="en-US" altLang="zh-CN" dirty="0">
@@ -8195,7 +8211,23 @@
                   <a:schemeClr val="bg1"/>
                 </a:solidFill>
               </a:rPr>
-              <a:t>HTML (</a:t>
+              <a:t>(input, select, </a:t>
+            </a:r>
+            <a:r>
+              <a:rPr lang="en-US" altLang="zh-CN" dirty="0" err="1">
+                <a:solidFill>
+                  <a:schemeClr val="bg1"/>
+                </a:solidFill>
+              </a:rPr>
+              <a:t>textarea</a:t>
+            </a:r>
+            <a:r>
+              <a:rPr lang="en-US" altLang="zh-CN" dirty="0">
+                <a:solidFill>
+                  <a:schemeClr val="bg1"/>
+                </a:solidFill>
+              </a:rPr>
+              <a:t>)</a:t>
             </a:r>
             <a:r>
               <a:rPr lang="zh-CN" altLang="en-US" dirty="0">
@@ -8203,105 +8235,7 @@
                   <a:schemeClr val="bg1"/>
                 </a:solidFill>
               </a:rPr>
-              <a:t>视图</a:t>
-            </a:r>
-            <a:r>
-              <a:rPr lang="en-US" altLang="zh-CN" dirty="0">
-                <a:solidFill>
-                  <a:schemeClr val="bg1"/>
-                </a:solidFill>
-              </a:rPr>
-              <a:t>) </a:t>
-            </a:r>
-            <a:r>
-              <a:rPr lang="zh-CN" altLang="en-US" dirty="0">
-                <a:solidFill>
-                  <a:schemeClr val="bg1"/>
-                </a:solidFill>
-              </a:rPr>
-              <a:t>和 </a:t>
-            </a:r>
-            <a:r>
-              <a:rPr lang="en-US" altLang="zh-CN" dirty="0">
-                <a:solidFill>
-                  <a:schemeClr val="bg1"/>
-                </a:solidFill>
-              </a:rPr>
-              <a:t>JavaScript (</a:t>
-            </a:r>
-            <a:r>
-              <a:rPr lang="zh-CN" altLang="en-US" dirty="0">
-                <a:solidFill>
-                  <a:schemeClr val="bg1"/>
-                </a:solidFill>
-              </a:rPr>
-              <a:t>控制器</a:t>
-            </a:r>
-            <a:r>
-              <a:rPr lang="en-US" altLang="zh-CN" dirty="0">
-                <a:solidFill>
-                  <a:schemeClr val="bg1"/>
-                </a:solidFill>
-              </a:rPr>
-              <a:t>)</a:t>
-            </a:r>
-            <a:r>
-              <a:rPr lang="zh-CN" altLang="en-US" dirty="0">
-                <a:solidFill>
-                  <a:schemeClr val="bg1"/>
-                </a:solidFill>
-              </a:rPr>
-              <a:t>之间的纽带。</a:t>
-            </a:r>
-          </a:p>
-          <a:p>
-            <a:pPr marL="0" indent="0">
-              <a:buNone/>
-            </a:pPr>
-            <a:r>
-              <a:rPr lang="en-US" altLang="zh-CN" dirty="0">
-                <a:solidFill>
-                  <a:schemeClr val="bg1"/>
-                </a:solidFill>
-              </a:rPr>
-              <a:t>Scope </a:t>
-            </a:r>
-            <a:r>
-              <a:rPr lang="zh-CN" altLang="en-US" dirty="0">
-                <a:solidFill>
-                  <a:schemeClr val="bg1"/>
-                </a:solidFill>
-              </a:rPr>
-              <a:t>是一个对象，有可用的方法和属性。</a:t>
-            </a:r>
-          </a:p>
-          <a:p>
-            <a:pPr marL="0" indent="0">
-              <a:buNone/>
-            </a:pPr>
-            <a:r>
-              <a:rPr lang="en-US" altLang="zh-CN" dirty="0">
-                <a:solidFill>
-                  <a:schemeClr val="bg1"/>
-                </a:solidFill>
-              </a:rPr>
-              <a:t>Scope </a:t>
-            </a:r>
-            <a:r>
-              <a:rPr lang="zh-CN" altLang="en-US" dirty="0">
-                <a:solidFill>
-                  <a:schemeClr val="bg1"/>
-                </a:solidFill>
-              </a:rPr>
-              <a:t>可应用在视图和控制器上</a:t>
-            </a:r>
-            <a:r>
-              <a:rPr lang="zh-CN" altLang="en-US" dirty="0" smtClean="0">
-                <a:solidFill>
-                  <a:schemeClr val="bg1"/>
-                </a:solidFill>
-              </a:rPr>
-              <a:t>。</a:t>
+              <a:t>的值。</a:t>
             </a:r>
             <a:endParaRPr lang="en-US" altLang="zh-CN" dirty="0" smtClean="0">
               <a:solidFill>
@@ -8314,20 +8248,36 @@
               <a:buNone/>
             </a:pPr>
             <a:r>
+              <a:rPr lang="zh-CN" altLang="en-US" dirty="0" smtClean="0">
+                <a:solidFill>
+                  <a:schemeClr val="bg1"/>
+                </a:solidFill>
+              </a:rPr>
+              <a:t>双</a:t>
+            </a:r>
+            <a:r>
               <a:rPr lang="zh-CN" altLang="en-US" dirty="0">
                 <a:solidFill>
                   <a:schemeClr val="bg1"/>
                 </a:solidFill>
               </a:rPr>
-              <a:t>当在控制器中添加 </a:t>
-            </a:r>
-            <a:r>
-              <a:rPr lang="en-US" altLang="zh-CN" b="1" dirty="0">
-                <a:solidFill>
-                  <a:schemeClr val="bg1"/>
-                </a:solidFill>
-              </a:rPr>
-              <a:t>$scope</a:t>
+              <a:t>向绑定，在修改输入域的值时， </a:t>
+            </a:r>
+            <a:r>
+              <a:rPr lang="en-US" altLang="zh-CN" dirty="0" err="1">
+                <a:solidFill>
+                  <a:schemeClr val="bg1"/>
+                </a:solidFill>
+              </a:rPr>
+              <a:t>AngularJS</a:t>
+            </a:r>
+            <a:r>
+              <a:rPr lang="en-US" altLang="zh-CN" dirty="0">
+                <a:solidFill>
+                  <a:schemeClr val="bg1"/>
+                </a:solidFill>
+              </a:rPr>
+              <a:t> </a:t>
             </a:r>
             <a:r>
               <a:rPr lang="zh-CN" altLang="en-US" dirty="0">
@@ -8335,123 +8285,7 @@
                   <a:schemeClr val="bg1"/>
                 </a:solidFill>
               </a:rPr>
-              <a:t> 对象时，视图 </a:t>
-            </a:r>
-            <a:r>
-              <a:rPr lang="en-US" altLang="zh-CN" dirty="0">
-                <a:solidFill>
-                  <a:schemeClr val="bg1"/>
-                </a:solidFill>
-              </a:rPr>
-              <a:t>(HTML) </a:t>
-            </a:r>
-            <a:r>
-              <a:rPr lang="zh-CN" altLang="en-US" dirty="0">
-                <a:solidFill>
-                  <a:schemeClr val="bg1"/>
-                </a:solidFill>
-              </a:rPr>
-              <a:t>可以获取了这些属性。</a:t>
-            </a:r>
-          </a:p>
-          <a:p>
-            <a:pPr marL="0" indent="0">
-              <a:buNone/>
-            </a:pPr>
-            <a:r>
-              <a:rPr lang="zh-CN" altLang="en-US" dirty="0">
-                <a:solidFill>
-                  <a:schemeClr val="bg1"/>
-                </a:solidFill>
-              </a:rPr>
-              <a:t>视图中，你不需要添加 </a:t>
-            </a:r>
-            <a:r>
-              <a:rPr lang="en-US" altLang="zh-CN" b="1" dirty="0">
-                <a:solidFill>
-                  <a:schemeClr val="bg1"/>
-                </a:solidFill>
-              </a:rPr>
-              <a:t>$scope</a:t>
-            </a:r>
-            <a:r>
-              <a:rPr lang="zh-CN" altLang="en-US" dirty="0">
-                <a:solidFill>
-                  <a:schemeClr val="bg1"/>
-                </a:solidFill>
-              </a:rPr>
-              <a:t> 前缀</a:t>
-            </a:r>
-            <a:r>
-              <a:rPr lang="en-US" altLang="zh-CN" dirty="0">
-                <a:solidFill>
-                  <a:schemeClr val="bg1"/>
-                </a:solidFill>
-              </a:rPr>
-              <a:t>, </a:t>
-            </a:r>
-            <a:r>
-              <a:rPr lang="zh-CN" altLang="en-US" dirty="0">
-                <a:solidFill>
-                  <a:schemeClr val="bg1"/>
-                </a:solidFill>
-              </a:rPr>
-              <a:t>只需要添加属性名即可，如： </a:t>
-            </a:r>
-            <a:r>
-              <a:rPr lang="en-US" altLang="zh-CN" b="1" dirty="0">
-                <a:solidFill>
-                  <a:schemeClr val="bg1"/>
-                </a:solidFill>
-              </a:rPr>
-              <a:t>{{</a:t>
-            </a:r>
-            <a:r>
-              <a:rPr lang="en-US" altLang="zh-CN" b="1" dirty="0" err="1">
-                <a:solidFill>
-                  <a:schemeClr val="bg1"/>
-                </a:solidFill>
-              </a:rPr>
-              <a:t>carname</a:t>
-            </a:r>
-            <a:r>
-              <a:rPr lang="en-US" altLang="zh-CN" b="1" dirty="0">
-                <a:solidFill>
-                  <a:schemeClr val="bg1"/>
-                </a:solidFill>
-              </a:rPr>
-              <a:t>}}</a:t>
-            </a:r>
-            <a:r>
-              <a:rPr lang="zh-CN" altLang="en-US" dirty="0">
-                <a:solidFill>
-                  <a:schemeClr val="bg1"/>
-                </a:solidFill>
-              </a:rPr>
-              <a:t>。</a:t>
-            </a:r>
-          </a:p>
-          <a:p>
-            <a:pPr marL="0" indent="0">
-              <a:buNone/>
-            </a:pPr>
-            <a:endParaRPr lang="en-US" altLang="zh-CN" dirty="0" smtClean="0">
-              <a:solidFill>
-                <a:schemeClr val="bg1"/>
-              </a:solidFill>
-            </a:endParaRPr>
-          </a:p>
-          <a:p>
-            <a:pPr marL="0" indent="0">
-              <a:buNone/>
-            </a:pPr>
-            <a:r>
-              <a:rPr lang="zh-CN" altLang="en-US" dirty="0">
-                <a:solidFill>
-                  <a:schemeClr val="bg1"/>
-                </a:solidFill>
-              </a:rPr>
-              <a:t>如果你修改了视图，模型和控制器也会相应更</a:t>
+              <a:t>属性的值也将修</a:t>
             </a:r>
             <a:r>
               <a:rPr lang="zh-CN" altLang="en-US" dirty="0" smtClean="0">
@@ -8459,18 +8293,8 @@
                   <a:schemeClr val="bg1"/>
                 </a:solidFill>
               </a:rPr>
-              <a:t>新。</a:t>
-            </a:r>
-            <a:endParaRPr lang="zh-CN" altLang="en-US" dirty="0">
-              <a:solidFill>
-                <a:schemeClr val="bg1"/>
-              </a:solidFill>
-            </a:endParaRPr>
-          </a:p>
-          <a:p>
-            <a:pPr marL="0" indent="0">
-              <a:buNone/>
-            </a:pPr>
+              <a:t>改。</a:t>
+            </a:r>
             <a:r>
               <a:rPr lang="zh-CN" altLang="en-US" dirty="0"/>
               <a:t/>
@@ -8489,7 +8313,7 @@
     </p:spTree>
     <p:extLst>
       <p:ext uri="{BB962C8B-B14F-4D97-AF65-F5344CB8AC3E}">
-        <p14:creationId xmlns:p14="http://schemas.microsoft.com/office/powerpoint/2010/main" val="3927364660"/>
+        <p14:creationId xmlns:p14="http://schemas.microsoft.com/office/powerpoint/2010/main" val="4129380110"/>
       </p:ext>
     </p:extLst>
   </p:cSld>
@@ -8545,7 +8369,15 @@
                   <a:schemeClr val="bg1"/>
                 </a:solidFill>
               </a:rPr>
-              <a:t>五、模型</a:t>
+              <a:t>五、</a:t>
+            </a:r>
+            <a:r>
+              <a:rPr lang="zh-CN" altLang="en-US" sz="3200" dirty="0" smtClean="0">
+                <a:solidFill>
+                  <a:schemeClr val="bg1"/>
+                </a:solidFill>
+              </a:rPr>
+              <a:t>控制器</a:t>
             </a:r>
             <a:endParaRPr lang="zh-CN" altLang="en-US" sz="3200" dirty="0">
               <a:solidFill>
@@ -8586,6 +8418,35 @@
                   <a:schemeClr val="bg1"/>
                 </a:solidFill>
               </a:rPr>
+              <a:t>AngularJS</a:t>
+            </a:r>
+            <a:r>
+              <a:rPr lang="en-US" altLang="zh-CN" dirty="0">
+                <a:solidFill>
+                  <a:schemeClr val="bg1"/>
+                </a:solidFill>
+              </a:rPr>
+              <a:t> </a:t>
+            </a:r>
+            <a:r>
+              <a:rPr lang="zh-CN" altLang="en-US" dirty="0">
+                <a:solidFill>
+                  <a:schemeClr val="bg1"/>
+                </a:solidFill>
+              </a:rPr>
+              <a:t>应用程序被控制器控制。</a:t>
+            </a:r>
+          </a:p>
+          <a:p>
+            <a:pPr marL="0" indent="0">
+              <a:buNone/>
+            </a:pPr>
+            <a:r>
+              <a:rPr lang="en-US" altLang="zh-CN" dirty="0" err="1">
+                <a:solidFill>
+                  <a:schemeClr val="bg1"/>
+                </a:solidFill>
+              </a:rPr>
               <a:t>ng</a:t>
             </a:r>
             <a:r>
@@ -8594,7 +8455,7 @@
                   <a:schemeClr val="bg1"/>
                 </a:solidFill>
               </a:rPr>
-              <a:t>-model </a:t>
+              <a:t>-controller </a:t>
             </a:r>
             <a:r>
               <a:rPr lang="zh-CN" altLang="en-US" dirty="0">
@@ -8602,7 +8463,20 @@
                   <a:schemeClr val="bg1"/>
                 </a:solidFill>
               </a:rPr>
-              <a:t>指令用于绑定应用程序数据到 </a:t>
+              <a:t>指令定义了应用程序控制器。</a:t>
+            </a:r>
+          </a:p>
+          <a:p>
+            <a:pPr marL="0" indent="0">
+              <a:buNone/>
+            </a:pPr>
+            <a:r>
+              <a:rPr lang="zh-CN" altLang="en-US" dirty="0">
+                <a:solidFill>
+                  <a:schemeClr val="bg1"/>
+                </a:solidFill>
+              </a:rPr>
+              <a:t>控制器是 </a:t>
             </a:r>
             <a:r>
               <a:rPr lang="en-US" altLang="zh-CN" dirty="0">
@@ -8610,7 +8484,7 @@
                   <a:schemeClr val="bg1"/>
                 </a:solidFill>
               </a:rPr>
-              <a:t>HTML </a:t>
+              <a:t>JavaScript </a:t>
             </a:r>
             <a:r>
               <a:rPr lang="zh-CN" altLang="en-US" dirty="0">
@@ -8618,7 +8492,7 @@
                   <a:schemeClr val="bg1"/>
                 </a:solidFill>
               </a:rPr>
-              <a:t>控制器</a:t>
+              <a:t>对象，由标准的 </a:t>
             </a:r>
             <a:r>
               <a:rPr lang="en-US" altLang="zh-CN" dirty="0">
@@ -8626,23 +8500,7 @@
                   <a:schemeClr val="bg1"/>
                 </a:solidFill>
               </a:rPr>
-              <a:t>(input, select, </a:t>
-            </a:r>
-            <a:r>
-              <a:rPr lang="en-US" altLang="zh-CN" dirty="0" err="1">
-                <a:solidFill>
-                  <a:schemeClr val="bg1"/>
-                </a:solidFill>
-              </a:rPr>
-              <a:t>textarea</a:t>
-            </a:r>
-            <a:r>
-              <a:rPr lang="en-US" altLang="zh-CN" dirty="0">
-                <a:solidFill>
-                  <a:schemeClr val="bg1"/>
-                </a:solidFill>
-              </a:rPr>
-              <a:t>)</a:t>
+              <a:t>JavaScript </a:t>
             </a:r>
             <a:r>
               <a:rPr lang="zh-CN" altLang="en-US" dirty="0">
@@ -8650,7 +8508,15 @@
                   <a:schemeClr val="bg1"/>
                 </a:solidFill>
               </a:rPr>
-              <a:t>的值。</a:t>
+              <a:t>对象的构造函</a:t>
+            </a:r>
+            <a:r>
+              <a:rPr lang="zh-CN" altLang="en-US" dirty="0" smtClean="0">
+                <a:solidFill>
+                  <a:schemeClr val="bg1"/>
+                </a:solidFill>
+              </a:rPr>
+              <a:t>数创建。</a:t>
             </a:r>
             <a:endParaRPr lang="en-US" altLang="zh-CN" dirty="0" smtClean="0">
               <a:solidFill>
@@ -8663,53 +8529,47 @@
               <a:buNone/>
             </a:pPr>
             <a:r>
+              <a:rPr lang="zh-CN" altLang="en-US" dirty="0">
+                <a:solidFill>
+                  <a:schemeClr val="bg1"/>
+                </a:solidFill>
+              </a:rPr>
+              <a:t>控制</a:t>
+            </a:r>
+            <a:r>
               <a:rPr lang="zh-CN" altLang="en-US" dirty="0" smtClean="0">
                 <a:solidFill>
                   <a:schemeClr val="bg1"/>
                 </a:solidFill>
               </a:rPr>
-              <a:t>双</a:t>
-            </a:r>
-            <a:r>
-              <a:rPr lang="zh-CN" altLang="en-US" dirty="0">
-                <a:solidFill>
-                  <a:schemeClr val="bg1"/>
-                </a:solidFill>
-              </a:rPr>
-              <a:t>向绑定，在修改输入域的值时， </a:t>
-            </a:r>
-            <a:r>
-              <a:rPr lang="en-US" altLang="zh-CN" dirty="0" err="1">
-                <a:solidFill>
-                  <a:schemeClr val="bg1"/>
-                </a:solidFill>
-              </a:rPr>
-              <a:t>AngularJS</a:t>
-            </a:r>
-            <a:r>
-              <a:rPr lang="en-US" altLang="zh-CN" dirty="0">
-                <a:solidFill>
-                  <a:schemeClr val="bg1"/>
-                </a:solidFill>
-              </a:rPr>
-              <a:t> </a:t>
-            </a:r>
-            <a:r>
-              <a:rPr lang="zh-CN" altLang="en-US" dirty="0">
-                <a:solidFill>
-                  <a:schemeClr val="bg1"/>
-                </a:solidFill>
-              </a:rPr>
-              <a:t>属性的值也将修</a:t>
-            </a:r>
-            <a:r>
-              <a:rPr lang="zh-CN" altLang="en-US" dirty="0" smtClean="0">
-                <a:solidFill>
-                  <a:schemeClr val="bg1"/>
-                </a:solidFill>
-              </a:rPr>
-              <a:t>改。</a:t>
-            </a:r>
+              <a:t>器将每个区域，变成了不同模块，</a:t>
+            </a:r>
+            <a:r>
+              <a:rPr lang="en-US" altLang="zh-CN" dirty="0" smtClean="0">
+                <a:solidFill>
+                  <a:schemeClr val="bg1"/>
+                </a:solidFill>
+              </a:rPr>
+              <a:t>$scope</a:t>
+            </a:r>
+            <a:r>
+              <a:rPr lang="zh-CN" altLang="en-US" smtClean="0">
+                <a:solidFill>
+                  <a:schemeClr val="bg1"/>
+                </a:solidFill>
+              </a:rPr>
+              <a:t>作用域只作用于当前控制器。</a:t>
+            </a:r>
+            <a:endParaRPr lang="zh-CN" altLang="en-US" dirty="0">
+              <a:solidFill>
+                <a:schemeClr val="bg1"/>
+              </a:solidFill>
+            </a:endParaRPr>
+          </a:p>
+          <a:p>
+            <a:pPr marL="0" indent="0">
+              <a:buNone/>
+            </a:pPr>
             <a:r>
               <a:rPr lang="zh-CN" altLang="en-US" dirty="0"/>
               <a:t/>
@@ -8728,7 +8588,7 @@
     </p:spTree>
     <p:extLst>
       <p:ext uri="{BB962C8B-B14F-4D97-AF65-F5344CB8AC3E}">
-        <p14:creationId xmlns:p14="http://schemas.microsoft.com/office/powerpoint/2010/main" val="4129380110"/>
+        <p14:creationId xmlns:p14="http://schemas.microsoft.com/office/powerpoint/2010/main" val="1361347137"/>
       </p:ext>
     </p:extLst>
   </p:cSld>
@@ -8779,20 +8639,20 @@
           <a:p>
             <a:pPr algn="l"/>
             <a:r>
-              <a:rPr lang="zh-CN" altLang="en-US" sz="3200" dirty="0">
-                <a:solidFill>
-                  <a:schemeClr val="bg1"/>
-                </a:solidFill>
-              </a:rPr>
-              <a:t>六</a:t>
-            </a:r>
-            <a:r>
               <a:rPr lang="zh-CN" altLang="en-US" sz="3200" dirty="0" smtClean="0">
                 <a:solidFill>
                   <a:schemeClr val="bg1"/>
                 </a:solidFill>
               </a:rPr>
-              <a:t>、控制器</a:t>
+              <a:t>六、</a:t>
+            </a:r>
+            <a:r>
+              <a:rPr lang="zh-CN" altLang="en-US" sz="3200" dirty="0" smtClean="0">
+                <a:solidFill>
+                  <a:schemeClr val="bg1"/>
+                </a:solidFill>
+              </a:rPr>
+              <a:t>作用域</a:t>
             </a:r>
             <a:endParaRPr lang="zh-CN" altLang="en-US" sz="3200" dirty="0">
               <a:solidFill>
@@ -8820,7 +8680,7 @@
         </p:spPr>
         <p:txBody>
           <a:bodyPr>
-            <a:normAutofit/>
+            <a:normAutofit fontScale="85000" lnSpcReduction="20000"/>
           </a:bodyPr>
           <a:lstStyle/>
           <a:p>
@@ -8828,20 +8688,12 @@
               <a:buNone/>
             </a:pPr>
             <a:r>
-              <a:rPr lang="en-US" altLang="zh-CN" dirty="0" err="1">
-                <a:solidFill>
-                  <a:schemeClr val="bg1"/>
-                </a:solidFill>
-              </a:rPr>
-              <a:t>AngularJS</a:t>
-            </a:r>
-            <a:r>
               <a:rPr lang="en-US" altLang="zh-CN" dirty="0">
                 <a:solidFill>
                   <a:schemeClr val="bg1"/>
                 </a:solidFill>
               </a:rPr>
-              <a:t> </a:t>
+              <a:t>Scope(</a:t>
             </a:r>
             <a:r>
               <a:rPr lang="zh-CN" altLang="en-US" dirty="0">
@@ -8849,7 +8701,87 @@
                   <a:schemeClr val="bg1"/>
                 </a:solidFill>
               </a:rPr>
-              <a:t>应用程序被控制器控制。</a:t>
+              <a:t>作用域</a:t>
+            </a:r>
+            <a:r>
+              <a:rPr lang="en-US" altLang="zh-CN" dirty="0">
+                <a:solidFill>
+                  <a:schemeClr val="bg1"/>
+                </a:solidFill>
+              </a:rPr>
+              <a:t>) </a:t>
+            </a:r>
+            <a:r>
+              <a:rPr lang="zh-CN" altLang="en-US" dirty="0">
+                <a:solidFill>
+                  <a:schemeClr val="bg1"/>
+                </a:solidFill>
+              </a:rPr>
+              <a:t>是应用在 </a:t>
+            </a:r>
+            <a:r>
+              <a:rPr lang="en-US" altLang="zh-CN" dirty="0">
+                <a:solidFill>
+                  <a:schemeClr val="bg1"/>
+                </a:solidFill>
+              </a:rPr>
+              <a:t>HTML (</a:t>
+            </a:r>
+            <a:r>
+              <a:rPr lang="zh-CN" altLang="en-US" dirty="0">
+                <a:solidFill>
+                  <a:schemeClr val="bg1"/>
+                </a:solidFill>
+              </a:rPr>
+              <a:t>视图</a:t>
+            </a:r>
+            <a:r>
+              <a:rPr lang="en-US" altLang="zh-CN" dirty="0">
+                <a:solidFill>
+                  <a:schemeClr val="bg1"/>
+                </a:solidFill>
+              </a:rPr>
+              <a:t>) </a:t>
+            </a:r>
+            <a:r>
+              <a:rPr lang="zh-CN" altLang="en-US" dirty="0">
+                <a:solidFill>
+                  <a:schemeClr val="bg1"/>
+                </a:solidFill>
+              </a:rPr>
+              <a:t>和 </a:t>
+            </a:r>
+            <a:r>
+              <a:rPr lang="en-US" altLang="zh-CN" dirty="0">
+                <a:solidFill>
+                  <a:schemeClr val="bg1"/>
+                </a:solidFill>
+              </a:rPr>
+              <a:t>JavaScript (</a:t>
+            </a:r>
+            <a:r>
+              <a:rPr lang="zh-CN" altLang="en-US" dirty="0">
+                <a:solidFill>
+                  <a:schemeClr val="bg1"/>
+                </a:solidFill>
+              </a:rPr>
+              <a:t>控制器</a:t>
+            </a:r>
+            <a:r>
+              <a:rPr lang="en-US" altLang="zh-CN" dirty="0">
+                <a:solidFill>
+                  <a:schemeClr val="bg1"/>
+                </a:solidFill>
+              </a:rPr>
+              <a:t>)</a:t>
+            </a:r>
+            <a:r>
+              <a:rPr lang="zh-CN" altLang="en-US" dirty="0">
+                <a:solidFill>
+                  <a:schemeClr val="bg1"/>
+                </a:solidFill>
+              </a:rPr>
+              <a:t>之间的纽带。</a:t>
             </a:r>
           </a:p>
           <a:p>
@@ -8857,20 +8789,12 @@
               <a:buNone/>
             </a:pPr>
             <a:r>
-              <a:rPr lang="en-US" altLang="zh-CN" dirty="0" err="1">
-                <a:solidFill>
-                  <a:schemeClr val="bg1"/>
-                </a:solidFill>
-              </a:rPr>
-              <a:t>ng</a:t>
-            </a:r>
-            <a:r>
               <a:rPr lang="en-US" altLang="zh-CN" dirty="0">
                 <a:solidFill>
                   <a:schemeClr val="bg1"/>
                 </a:solidFill>
               </a:rPr>
-              <a:t>-controller </a:t>
+              <a:t>Scope </a:t>
             </a:r>
             <a:r>
               <a:rPr lang="zh-CN" altLang="en-US" dirty="0">
@@ -8878,7 +8802,7 @@
                   <a:schemeClr val="bg1"/>
                 </a:solidFill>
               </a:rPr>
-              <a:t>指令定义了应用程序控制器。</a:t>
+              <a:t>是一个对象，有可用的方法和属性。</a:t>
             </a:r>
           </a:p>
           <a:p>
@@ -8886,44 +8810,20 @@
               <a:buNone/>
             </a:pPr>
             <a:r>
+              <a:rPr lang="en-US" altLang="zh-CN" dirty="0">
+                <a:solidFill>
+                  <a:schemeClr val="bg1"/>
+                </a:solidFill>
+              </a:rPr>
+              <a:t>Scope </a:t>
+            </a:r>
+            <a:r>
               <a:rPr lang="zh-CN" altLang="en-US" dirty="0">
                 <a:solidFill>
                   <a:schemeClr val="bg1"/>
                 </a:solidFill>
               </a:rPr>
-              <a:t>控制器是 </a:t>
-            </a:r>
-            <a:r>
-              <a:rPr lang="en-US" altLang="zh-CN" dirty="0">
-                <a:solidFill>
-                  <a:schemeClr val="bg1"/>
-                </a:solidFill>
-              </a:rPr>
-              <a:t>JavaScript </a:t>
-            </a:r>
-            <a:r>
-              <a:rPr lang="zh-CN" altLang="en-US" dirty="0">
-                <a:solidFill>
-                  <a:schemeClr val="bg1"/>
-                </a:solidFill>
-              </a:rPr>
-              <a:t>对象，由标准的 </a:t>
-            </a:r>
-            <a:r>
-              <a:rPr lang="en-US" altLang="zh-CN" dirty="0">
-                <a:solidFill>
-                  <a:schemeClr val="bg1"/>
-                </a:solidFill>
-              </a:rPr>
-              <a:t>JavaScript </a:t>
-            </a:r>
-            <a:r>
-              <a:rPr lang="zh-CN" altLang="en-US" dirty="0">
-                <a:solidFill>
-                  <a:schemeClr val="bg1"/>
-                </a:solidFill>
-              </a:rPr>
-              <a:t>对象的构造函</a:t>
+              <a:t>可应用在视图和控制器上</a:t>
             </a:r>
             <a:r>
               <a:rPr lang="zh-CN" altLang="en-US" dirty="0" smtClean="0">
@@ -8931,7 +8831,7 @@
                   <a:schemeClr val="bg1"/>
                 </a:solidFill>
               </a:rPr>
-              <a:t>数创建。</a:t>
+              <a:t>。</a:t>
             </a:r>
             <a:endParaRPr lang="en-US" altLang="zh-CN" dirty="0" smtClean="0">
               <a:solidFill>
@@ -8949,7 +8849,139 @@
                   <a:schemeClr val="bg1"/>
                 </a:solidFill>
               </a:rPr>
-              <a:t>控制</a:t>
+              <a:t>当在控制器中添加 </a:t>
+            </a:r>
+            <a:r>
+              <a:rPr lang="en-US" altLang="zh-CN" b="1" dirty="0">
+                <a:solidFill>
+                  <a:schemeClr val="bg1"/>
+                </a:solidFill>
+              </a:rPr>
+              <a:t>$scope</a:t>
+            </a:r>
+            <a:r>
+              <a:rPr lang="zh-CN" altLang="en-US" dirty="0">
+                <a:solidFill>
+                  <a:schemeClr val="bg1"/>
+                </a:solidFill>
+              </a:rPr>
+              <a:t> 对象时，视图 </a:t>
+            </a:r>
+            <a:r>
+              <a:rPr lang="en-US" altLang="zh-CN" dirty="0">
+                <a:solidFill>
+                  <a:schemeClr val="bg1"/>
+                </a:solidFill>
+              </a:rPr>
+              <a:t>(HTML) </a:t>
+            </a:r>
+            <a:r>
+              <a:rPr lang="zh-CN" altLang="en-US" dirty="0">
+                <a:solidFill>
+                  <a:schemeClr val="bg1"/>
+                </a:solidFill>
+              </a:rPr>
+              <a:t>可以获取了这些属性。</a:t>
+            </a:r>
+          </a:p>
+          <a:p>
+            <a:pPr marL="0" indent="0">
+              <a:buNone/>
+            </a:pPr>
+            <a:r>
+              <a:rPr lang="zh-CN" altLang="en-US" dirty="0">
+                <a:solidFill>
+                  <a:schemeClr val="bg1"/>
+                </a:solidFill>
+              </a:rPr>
+              <a:t>视图中，你不需要添加 </a:t>
+            </a:r>
+            <a:r>
+              <a:rPr lang="en-US" altLang="zh-CN" b="1" dirty="0">
+                <a:solidFill>
+                  <a:schemeClr val="bg1"/>
+                </a:solidFill>
+              </a:rPr>
+              <a:t>$scope</a:t>
+            </a:r>
+            <a:r>
+              <a:rPr lang="zh-CN" altLang="en-US" dirty="0">
+                <a:solidFill>
+                  <a:schemeClr val="bg1"/>
+                </a:solidFill>
+              </a:rPr>
+              <a:t> 前缀</a:t>
+            </a:r>
+            <a:r>
+              <a:rPr lang="en-US" altLang="zh-CN" dirty="0">
+                <a:solidFill>
+                  <a:schemeClr val="bg1"/>
+                </a:solidFill>
+              </a:rPr>
+              <a:t>, </a:t>
+            </a:r>
+            <a:r>
+              <a:rPr lang="zh-CN" altLang="en-US" dirty="0">
+                <a:solidFill>
+                  <a:schemeClr val="bg1"/>
+                </a:solidFill>
+              </a:rPr>
+              <a:t>只需要添加属性名即可，如： </a:t>
+            </a:r>
+            <a:r>
+              <a:rPr lang="en-US" altLang="zh-CN" b="1" dirty="0">
+                <a:solidFill>
+                  <a:schemeClr val="bg1"/>
+                </a:solidFill>
+              </a:rPr>
+              <a:t>{{</a:t>
+            </a:r>
+            <a:r>
+              <a:rPr lang="en-US" altLang="zh-CN" b="1" dirty="0" err="1">
+                <a:solidFill>
+                  <a:schemeClr val="bg1"/>
+                </a:solidFill>
+              </a:rPr>
+              <a:t>carname</a:t>
+            </a:r>
+            <a:r>
+              <a:rPr lang="en-US" altLang="zh-CN" b="1" dirty="0">
+                <a:solidFill>
+                  <a:schemeClr val="bg1"/>
+                </a:solidFill>
+              </a:rPr>
+              <a:t>}}</a:t>
+            </a:r>
+            <a:r>
+              <a:rPr lang="zh-CN" altLang="en-US" dirty="0">
+                <a:solidFill>
+                  <a:schemeClr val="bg1"/>
+                </a:solidFill>
+              </a:rPr>
+              <a:t>。</a:t>
+            </a:r>
+          </a:p>
+          <a:p>
+            <a:pPr marL="0" indent="0">
+              <a:buNone/>
+            </a:pPr>
+            <a:endParaRPr lang="en-US" altLang="zh-CN" dirty="0" smtClean="0">
+              <a:solidFill>
+                <a:schemeClr val="bg1"/>
+              </a:solidFill>
+            </a:endParaRPr>
+          </a:p>
+          <a:p>
+            <a:pPr marL="0" indent="0">
+              <a:buNone/>
+            </a:pPr>
+            <a:r>
+              <a:rPr lang="zh-CN" altLang="en-US" dirty="0">
+                <a:solidFill>
+                  <a:schemeClr val="bg1"/>
+                </a:solidFill>
+              </a:rPr>
+              <a:t>如果你修改了视图，模型和控制器也会相应更</a:t>
             </a:r>
             <a:r>
               <a:rPr lang="zh-CN" altLang="en-US" dirty="0" smtClean="0">
@@ -8957,23 +8989,7 @@
                   <a:schemeClr val="bg1"/>
                 </a:solidFill>
               </a:rPr>
-              <a:t>器将每个区域，变成了不同模块，</a:t>
-            </a:r>
-            <a:r>
-              <a:rPr lang="en-US" altLang="zh-CN" dirty="0" smtClean="0">
-                <a:solidFill>
-                  <a:schemeClr val="bg1"/>
-                </a:solidFill>
-              </a:rPr>
-              <a:t>$scope</a:t>
-            </a:r>
-            <a:r>
-              <a:rPr lang="zh-CN" altLang="en-US" smtClean="0">
-                <a:solidFill>
-                  <a:schemeClr val="bg1"/>
-                </a:solidFill>
-              </a:rPr>
-              <a:t>作用域只作用于当前控制器。</a:t>
+              <a:t>新。</a:t>
             </a:r>
             <a:endParaRPr lang="zh-CN" altLang="en-US" dirty="0">
               <a:solidFill>
@@ -9003,7 +9019,7 @@
     </p:spTree>
     <p:extLst>
       <p:ext uri="{BB962C8B-B14F-4D97-AF65-F5344CB8AC3E}">
-        <p14:creationId xmlns:p14="http://schemas.microsoft.com/office/powerpoint/2010/main" val="1361347137"/>
+        <p14:creationId xmlns:p14="http://schemas.microsoft.com/office/powerpoint/2010/main" val="3927364660"/>
       </p:ext>
     </p:extLst>
   </p:cSld>
